--- a/doc/pl_reference_mannual.assets/blocks.pptx
+++ b/doc/pl_reference_mannual.assets/blocks.pptx
@@ -261,7 +261,7 @@
           <a:p>
             <a:fld id="{747C143F-F66F-4C20-81A3-297298CCCF53}" type="datetimeFigureOut">
               <a:rPr lang="zh-CN" altLang="en-US" smtClean="0"/>
-              <a:t>2022/6/14</a:t>
+              <a:t>2023-04-25</a:t>
             </a:fld>
             <a:endParaRPr lang="zh-CN" altLang="en-US"/>
           </a:p>
@@ -459,7 +459,7 @@
           <a:p>
             <a:fld id="{747C143F-F66F-4C20-81A3-297298CCCF53}" type="datetimeFigureOut">
               <a:rPr lang="zh-CN" altLang="en-US" smtClean="0"/>
-              <a:t>2022/6/14</a:t>
+              <a:t>2023-04-25</a:t>
             </a:fld>
             <a:endParaRPr lang="zh-CN" altLang="en-US"/>
           </a:p>
@@ -667,7 +667,7 @@
           <a:p>
             <a:fld id="{747C143F-F66F-4C20-81A3-297298CCCF53}" type="datetimeFigureOut">
               <a:rPr lang="zh-CN" altLang="en-US" smtClean="0"/>
-              <a:t>2022/6/14</a:t>
+              <a:t>2023-04-25</a:t>
             </a:fld>
             <a:endParaRPr lang="zh-CN" altLang="en-US"/>
           </a:p>
@@ -865,7 +865,7 @@
           <a:p>
             <a:fld id="{747C143F-F66F-4C20-81A3-297298CCCF53}" type="datetimeFigureOut">
               <a:rPr lang="zh-CN" altLang="en-US" smtClean="0"/>
-              <a:t>2022/6/14</a:t>
+              <a:t>2023-04-25</a:t>
             </a:fld>
             <a:endParaRPr lang="zh-CN" altLang="en-US"/>
           </a:p>
@@ -1140,7 +1140,7 @@
           <a:p>
             <a:fld id="{747C143F-F66F-4C20-81A3-297298CCCF53}" type="datetimeFigureOut">
               <a:rPr lang="zh-CN" altLang="en-US" smtClean="0"/>
-              <a:t>2022/6/14</a:t>
+              <a:t>2023-04-25</a:t>
             </a:fld>
             <a:endParaRPr lang="zh-CN" altLang="en-US"/>
           </a:p>
@@ -1405,7 +1405,7 @@
           <a:p>
             <a:fld id="{747C143F-F66F-4C20-81A3-297298CCCF53}" type="datetimeFigureOut">
               <a:rPr lang="zh-CN" altLang="en-US" smtClean="0"/>
-              <a:t>2022/6/14</a:t>
+              <a:t>2023-04-25</a:t>
             </a:fld>
             <a:endParaRPr lang="zh-CN" altLang="en-US"/>
           </a:p>
@@ -1817,7 +1817,7 @@
           <a:p>
             <a:fld id="{747C143F-F66F-4C20-81A3-297298CCCF53}" type="datetimeFigureOut">
               <a:rPr lang="zh-CN" altLang="en-US" smtClean="0"/>
-              <a:t>2022/6/14</a:t>
+              <a:t>2023-04-25</a:t>
             </a:fld>
             <a:endParaRPr lang="zh-CN" altLang="en-US"/>
           </a:p>
@@ -1958,7 +1958,7 @@
           <a:p>
             <a:fld id="{747C143F-F66F-4C20-81A3-297298CCCF53}" type="datetimeFigureOut">
               <a:rPr lang="zh-CN" altLang="en-US" smtClean="0"/>
-              <a:t>2022/6/14</a:t>
+              <a:t>2023-04-25</a:t>
             </a:fld>
             <a:endParaRPr lang="zh-CN" altLang="en-US"/>
           </a:p>
@@ -2071,7 +2071,7 @@
           <a:p>
             <a:fld id="{747C143F-F66F-4C20-81A3-297298CCCF53}" type="datetimeFigureOut">
               <a:rPr lang="zh-CN" altLang="en-US" smtClean="0"/>
-              <a:t>2022/6/14</a:t>
+              <a:t>2023-04-25</a:t>
             </a:fld>
             <a:endParaRPr lang="zh-CN" altLang="en-US"/>
           </a:p>
@@ -2382,7 +2382,7 @@
           <a:p>
             <a:fld id="{747C143F-F66F-4C20-81A3-297298CCCF53}" type="datetimeFigureOut">
               <a:rPr lang="zh-CN" altLang="en-US" smtClean="0"/>
-              <a:t>2022/6/14</a:t>
+              <a:t>2023-04-25</a:t>
             </a:fld>
             <a:endParaRPr lang="zh-CN" altLang="en-US"/>
           </a:p>
@@ -2670,7 +2670,7 @@
           <a:p>
             <a:fld id="{747C143F-F66F-4C20-81A3-297298CCCF53}" type="datetimeFigureOut">
               <a:rPr lang="zh-CN" altLang="en-US" smtClean="0"/>
-              <a:t>2022/6/14</a:t>
+              <a:t>2023-04-25</a:t>
             </a:fld>
             <a:endParaRPr lang="zh-CN" altLang="en-US"/>
           </a:p>
@@ -2911,7 +2911,7 @@
           <a:p>
             <a:fld id="{747C143F-F66F-4C20-81A3-297298CCCF53}" type="datetimeFigureOut">
               <a:rPr lang="zh-CN" altLang="en-US" smtClean="0"/>
-              <a:t>2022/6/14</a:t>
+              <a:t>2023-04-25</a:t>
             </a:fld>
             <a:endParaRPr lang="zh-CN" altLang="en-US"/>
           </a:p>
@@ -4552,10 +4552,10 @@
       </p:grpSpPr>
       <p:grpSp>
         <p:nvGrpSpPr>
-          <p:cNvPr id="2" name="组合 1">
+          <p:cNvPr id="23" name="Group 22">
             <a:extLst>
               <a:ext uri="{FF2B5EF4-FFF2-40B4-BE49-F238E27FC236}">
-                <a16:creationId xmlns:a16="http://schemas.microsoft.com/office/drawing/2014/main" id="{EC5D80CE-1429-2E50-C5D8-1D573CC0BA3D}"/>
+                <a16:creationId xmlns:a16="http://schemas.microsoft.com/office/drawing/2014/main" id="{342EBDE6-3AC5-D4C7-1A6C-6E51BE8634F6}"/>
               </a:ext>
             </a:extLst>
           </p:cNvPr>
@@ -4564,12 +4564,291 @@
         </p:nvGrpSpPr>
         <p:grpSpPr>
           <a:xfrm>
-            <a:off x="3569275" y="2418080"/>
-            <a:ext cx="3791179" cy="2726456"/>
-            <a:chOff x="3569275" y="2418080"/>
-            <a:chExt cx="3791179" cy="2726456"/>
+            <a:off x="3563488" y="2039641"/>
+            <a:ext cx="3796966" cy="3336436"/>
+            <a:chOff x="3563488" y="2039641"/>
+            <a:chExt cx="3796966" cy="3336436"/>
           </a:xfrm>
         </p:grpSpPr>
+        <p:cxnSp>
+          <p:nvCxnSpPr>
+            <p:cNvPr id="19" name="直接连接符 36">
+              <a:extLst>
+                <a:ext uri="{FF2B5EF4-FFF2-40B4-BE49-F238E27FC236}">
+                  <a16:creationId xmlns:a16="http://schemas.microsoft.com/office/drawing/2014/main" id="{6C9AA464-D1E5-F81F-419A-9FCF5EFC99D7}"/>
+                </a:ext>
+              </a:extLst>
+            </p:cNvPr>
+            <p:cNvCxnSpPr>
+              <a:cxnSpLocks/>
+            </p:cNvCxnSpPr>
+            <p:nvPr/>
+          </p:nvCxnSpPr>
+          <p:spPr>
+            <a:xfrm flipV="1">
+              <a:off x="5390417" y="2039641"/>
+              <a:ext cx="0" cy="424738"/>
+            </a:xfrm>
+            <a:prstGeom prst="line">
+              <a:avLst/>
+            </a:prstGeom>
+            <a:ln w="57150" cap="sq">
+              <a:solidFill>
+                <a:schemeClr val="accent1">
+                  <a:lumMod val="75000"/>
+                </a:schemeClr>
+              </a:solidFill>
+              <a:tailEnd type="none" w="sm" len="sm"/>
+            </a:ln>
+          </p:spPr>
+          <p:style>
+            <a:lnRef idx="1">
+              <a:schemeClr val="dk1"/>
+            </a:lnRef>
+            <a:fillRef idx="0">
+              <a:schemeClr val="dk1"/>
+            </a:fillRef>
+            <a:effectRef idx="0">
+              <a:schemeClr val="dk1"/>
+            </a:effectRef>
+            <a:fontRef idx="minor">
+              <a:schemeClr val="tx1"/>
+            </a:fontRef>
+          </p:style>
+        </p:cxnSp>
+        <p:cxnSp>
+          <p:nvCxnSpPr>
+            <p:cNvPr id="14" name="直接连接符 36">
+              <a:extLst>
+                <a:ext uri="{FF2B5EF4-FFF2-40B4-BE49-F238E27FC236}">
+                  <a16:creationId xmlns:a16="http://schemas.microsoft.com/office/drawing/2014/main" id="{950F43D9-9BA3-D90D-E533-02090A33AF23}"/>
+                </a:ext>
+              </a:extLst>
+            </p:cNvPr>
+            <p:cNvCxnSpPr>
+              <a:cxnSpLocks/>
+            </p:cNvCxnSpPr>
+            <p:nvPr/>
+          </p:nvCxnSpPr>
+          <p:spPr>
+            <a:xfrm flipV="1">
+              <a:off x="5075971" y="2039641"/>
+              <a:ext cx="0" cy="424738"/>
+            </a:xfrm>
+            <a:prstGeom prst="line">
+              <a:avLst/>
+            </a:prstGeom>
+            <a:ln w="57150" cap="sq">
+              <a:solidFill>
+                <a:schemeClr val="accent1">
+                  <a:lumMod val="75000"/>
+                </a:schemeClr>
+              </a:solidFill>
+              <a:tailEnd type="none" w="sm" len="sm"/>
+            </a:ln>
+          </p:spPr>
+          <p:style>
+            <a:lnRef idx="1">
+              <a:schemeClr val="dk1"/>
+            </a:lnRef>
+            <a:fillRef idx="0">
+              <a:schemeClr val="dk1"/>
+            </a:fillRef>
+            <a:effectRef idx="0">
+              <a:schemeClr val="dk1"/>
+            </a:effectRef>
+            <a:fontRef idx="minor">
+              <a:schemeClr val="tx1"/>
+            </a:fontRef>
+          </p:style>
+        </p:cxnSp>
+        <p:cxnSp>
+          <p:nvCxnSpPr>
+            <p:cNvPr id="12" name="直接连接符 38">
+              <a:extLst>
+                <a:ext uri="{FF2B5EF4-FFF2-40B4-BE49-F238E27FC236}">
+                  <a16:creationId xmlns:a16="http://schemas.microsoft.com/office/drawing/2014/main" id="{5332F2DE-AD97-449B-17D5-99D12FE5AF30}"/>
+                </a:ext>
+              </a:extLst>
+            </p:cNvPr>
+            <p:cNvCxnSpPr>
+              <a:cxnSpLocks/>
+            </p:cNvCxnSpPr>
+            <p:nvPr/>
+          </p:nvCxnSpPr>
+          <p:spPr>
+            <a:xfrm>
+              <a:off x="6870042" y="4473148"/>
+              <a:ext cx="490412" cy="0"/>
+            </a:xfrm>
+            <a:prstGeom prst="line">
+              <a:avLst/>
+            </a:prstGeom>
+            <a:ln w="57150" cap="sq">
+              <a:solidFill>
+                <a:schemeClr val="accent1">
+                  <a:lumMod val="75000"/>
+                </a:schemeClr>
+              </a:solidFill>
+              <a:tailEnd type="none" w="sm" len="sm"/>
+            </a:ln>
+          </p:spPr>
+          <p:style>
+            <a:lnRef idx="1">
+              <a:schemeClr val="dk1"/>
+            </a:lnRef>
+            <a:fillRef idx="0">
+              <a:schemeClr val="dk1"/>
+            </a:fillRef>
+            <a:effectRef idx="0">
+              <a:schemeClr val="dk1"/>
+            </a:effectRef>
+            <a:fontRef idx="minor">
+              <a:schemeClr val="tx1"/>
+            </a:fontRef>
+          </p:style>
+        </p:cxnSp>
+        <p:cxnSp>
+          <p:nvCxnSpPr>
+            <p:cNvPr id="3" name="直接连接符 20">
+              <a:extLst>
+                <a:ext uri="{FF2B5EF4-FFF2-40B4-BE49-F238E27FC236}">
+                  <a16:creationId xmlns:a16="http://schemas.microsoft.com/office/drawing/2014/main" id="{823B3150-1FFE-0A1A-24C9-7C558AD5E0D6}"/>
+                </a:ext>
+              </a:extLst>
+            </p:cNvPr>
+            <p:cNvCxnSpPr>
+              <a:cxnSpLocks/>
+            </p:cNvCxnSpPr>
+            <p:nvPr/>
+          </p:nvCxnSpPr>
+          <p:spPr>
+            <a:xfrm>
+              <a:off x="3563488" y="4473148"/>
+              <a:ext cx="429452" cy="0"/>
+            </a:xfrm>
+            <a:prstGeom prst="line">
+              <a:avLst/>
+            </a:prstGeom>
+            <a:ln w="28575">
+              <a:solidFill>
+                <a:schemeClr val="accent1">
+                  <a:lumMod val="40000"/>
+                  <a:lumOff val="60000"/>
+                </a:schemeClr>
+              </a:solidFill>
+              <a:tailEnd type="none" w="lg" len="lg"/>
+            </a:ln>
+          </p:spPr>
+          <p:style>
+            <a:lnRef idx="1">
+              <a:schemeClr val="dk1"/>
+            </a:lnRef>
+            <a:fillRef idx="0">
+              <a:schemeClr val="dk1"/>
+            </a:fillRef>
+            <a:effectRef idx="0">
+              <a:schemeClr val="dk1"/>
+            </a:effectRef>
+            <a:fontRef idx="minor">
+              <a:schemeClr val="tx1"/>
+            </a:fontRef>
+          </p:style>
+        </p:cxnSp>
+        <p:cxnSp>
+          <p:nvCxnSpPr>
+            <p:cNvPr id="5" name="直接连接符 8">
+              <a:extLst>
+                <a:ext uri="{FF2B5EF4-FFF2-40B4-BE49-F238E27FC236}">
+                  <a16:creationId xmlns:a16="http://schemas.microsoft.com/office/drawing/2014/main" id="{13C35F8F-C4EB-487B-2065-222B897BC51B}"/>
+                </a:ext>
+              </a:extLst>
+            </p:cNvPr>
+            <p:cNvCxnSpPr>
+              <a:cxnSpLocks/>
+            </p:cNvCxnSpPr>
+            <p:nvPr/>
+          </p:nvCxnSpPr>
+          <p:spPr>
+            <a:xfrm>
+              <a:off x="3563488" y="3808009"/>
+              <a:ext cx="429452" cy="0"/>
+            </a:xfrm>
+            <a:prstGeom prst="line">
+              <a:avLst/>
+            </a:prstGeom>
+            <a:ln w="28575">
+              <a:solidFill>
+                <a:schemeClr val="accent1">
+                  <a:lumMod val="40000"/>
+                  <a:lumOff val="60000"/>
+                </a:schemeClr>
+              </a:solidFill>
+              <a:tailEnd type="none" w="lg" len="lg"/>
+            </a:ln>
+          </p:spPr>
+          <p:style>
+            <a:lnRef idx="1">
+              <a:schemeClr val="dk1"/>
+            </a:lnRef>
+            <a:fillRef idx="0">
+              <a:schemeClr val="dk1"/>
+            </a:fillRef>
+            <a:effectRef idx="0">
+              <a:schemeClr val="dk1"/>
+            </a:effectRef>
+            <a:fontRef idx="minor">
+              <a:schemeClr val="tx1"/>
+            </a:fontRef>
+          </p:style>
+        </p:cxnSp>
+        <p:cxnSp>
+          <p:nvCxnSpPr>
+            <p:cNvPr id="6" name="直接连接符 10">
+              <a:extLst>
+                <a:ext uri="{FF2B5EF4-FFF2-40B4-BE49-F238E27FC236}">
+                  <a16:creationId xmlns:a16="http://schemas.microsoft.com/office/drawing/2014/main" id="{C37D522C-E9AC-C116-4078-6EF768C31E77}"/>
+                </a:ext>
+              </a:extLst>
+            </p:cNvPr>
+            <p:cNvCxnSpPr>
+              <a:cxnSpLocks/>
+            </p:cNvCxnSpPr>
+            <p:nvPr/>
+          </p:nvCxnSpPr>
+          <p:spPr>
+            <a:xfrm>
+              <a:off x="3563488" y="4145284"/>
+              <a:ext cx="490412" cy="0"/>
+            </a:xfrm>
+            <a:prstGeom prst="line">
+              <a:avLst/>
+            </a:prstGeom>
+            <a:ln w="28575">
+              <a:solidFill>
+                <a:schemeClr val="accent1">
+                  <a:lumMod val="40000"/>
+                  <a:lumOff val="60000"/>
+                </a:schemeClr>
+              </a:solidFill>
+              <a:tailEnd type="none" w="lg" len="lg"/>
+            </a:ln>
+          </p:spPr>
+          <p:style>
+            <a:lnRef idx="1">
+              <a:schemeClr val="dk1"/>
+            </a:lnRef>
+            <a:fillRef idx="0">
+              <a:schemeClr val="dk1"/>
+            </a:fillRef>
+            <a:effectRef idx="0">
+              <a:schemeClr val="dk1"/>
+            </a:effectRef>
+            <a:fontRef idx="minor">
+              <a:schemeClr val="tx1"/>
+            </a:fontRef>
+          </p:style>
+        </p:cxnSp>
         <p:cxnSp>
           <p:nvCxnSpPr>
             <p:cNvPr id="21" name="直接连接符 20">
@@ -4586,7 +4865,7 @@
           </p:nvCxnSpPr>
           <p:spPr>
             <a:xfrm>
-              <a:off x="3569275" y="3817249"/>
+              <a:off x="3563488" y="3487371"/>
               <a:ext cx="429452" cy="0"/>
             </a:xfrm>
             <a:prstGeom prst="line">
@@ -4633,7 +4912,7 @@
           </p:nvCxnSpPr>
           <p:spPr>
             <a:xfrm>
-              <a:off x="6870042" y="4260913"/>
+              <a:off x="6870042" y="4154750"/>
               <a:ext cx="490412" cy="0"/>
             </a:xfrm>
             <a:prstGeom prst="line">
@@ -4679,7 +4958,7 @@
           </p:nvCxnSpPr>
           <p:spPr>
             <a:xfrm>
-              <a:off x="6870042" y="3955078"/>
+              <a:off x="6870042" y="3848915"/>
               <a:ext cx="490412" cy="0"/>
             </a:xfrm>
             <a:prstGeom prst="line">
@@ -4725,7 +5004,7 @@
           </p:nvCxnSpPr>
           <p:spPr>
             <a:xfrm>
-              <a:off x="6870042" y="2936449"/>
+              <a:off x="6870042" y="2830286"/>
               <a:ext cx="490412" cy="0"/>
             </a:xfrm>
             <a:prstGeom prst="line">
@@ -4771,7 +5050,7 @@
           </p:nvCxnSpPr>
           <p:spPr>
             <a:xfrm>
-              <a:off x="6870042" y="3269728"/>
+              <a:off x="6870042" y="3163565"/>
               <a:ext cx="490412" cy="0"/>
             </a:xfrm>
             <a:prstGeom prst="line">
@@ -4817,7 +5096,7 @@
           </p:nvCxnSpPr>
           <p:spPr>
             <a:xfrm>
-              <a:off x="6870042" y="3602988"/>
+              <a:off x="6870042" y="3496825"/>
               <a:ext cx="490412" cy="0"/>
             </a:xfrm>
             <a:prstGeom prst="line">
@@ -4863,7 +5142,7 @@
           </p:nvCxnSpPr>
           <p:spPr>
             <a:xfrm>
-              <a:off x="3569275" y="3152110"/>
+              <a:off x="3563488" y="2822232"/>
               <a:ext cx="429452" cy="0"/>
             </a:xfrm>
             <a:prstGeom prst="line">
@@ -4910,7 +5189,7 @@
           </p:nvCxnSpPr>
           <p:spPr>
             <a:xfrm>
-              <a:off x="3569275" y="3489385"/>
+              <a:off x="3563488" y="3159507"/>
               <a:ext cx="490412" cy="0"/>
             </a:xfrm>
             <a:prstGeom prst="line">
@@ -5353,8 +5632,8 @@
           </p:nvSpPr>
           <p:spPr>
             <a:xfrm>
-              <a:off x="5321959" y="2670589"/>
-              <a:ext cx="1724001" cy="2473947"/>
+              <a:off x="5321959" y="2557420"/>
+              <a:ext cx="1724001" cy="2818657"/>
             </a:xfrm>
             <a:prstGeom prst="rect">
               <a:avLst/>
@@ -5436,7 +5715,62 @@
                     <a:schemeClr val="tx1"/>
                   </a:solidFill>
                 </a:rPr>
-                <a:t>  Cam </a:t>
+                <a:t>  </a:t>
+              </a:r>
+              <a:r>
+                <a:rPr lang="en-US" altLang="zh-CN" sz="1600" dirty="0" err="1">
+                  <a:solidFill>
+                    <a:schemeClr val="tx1"/>
+                  </a:solidFill>
+                </a:rPr>
+                <a:t>CamA</a:t>
+              </a:r>
+              <a:r>
+                <a:rPr lang="en-US" altLang="zh-CN" sz="1600" dirty="0">
+                  <a:solidFill>
+                    <a:schemeClr val="tx1"/>
+                  </a:solidFill>
+                </a:rPr>
+                <a:t> </a:t>
+              </a:r>
+              <a:r>
+                <a:rPr lang="en-US" altLang="zh-CN" sz="1600" dirty="0" err="1">
+                  <a:solidFill>
+                    <a:schemeClr val="tx1"/>
+                  </a:solidFill>
+                </a:rPr>
+                <a:t>Div</a:t>
+              </a:r>
+              <a:r>
+                <a:rPr lang="en-US" altLang="zh-CN" sz="1600" dirty="0">
+                  <a:solidFill>
+                    <a:schemeClr val="tx1"/>
+                  </a:solidFill>
+                </a:rPr>
+                <a:t>[31:0]</a:t>
+              </a:r>
+            </a:p>
+            <a:p>
+              <a:pPr algn="r">
+                <a:lnSpc>
+                  <a:spcPct val="140000"/>
+                </a:lnSpc>
+              </a:pPr>
+              <a:r>
+                <a:rPr lang="en-US" altLang="zh-CN" sz="1600" dirty="0" err="1">
+                  <a:solidFill>
+                    <a:schemeClr val="tx1"/>
+                  </a:solidFill>
+                </a:rPr>
+                <a:t>CamB</a:t>
+              </a:r>
+              <a:r>
+                <a:rPr lang="en-US" altLang="zh-CN" sz="1600" dirty="0">
+                  <a:solidFill>
+                    <a:schemeClr val="tx1"/>
+                  </a:solidFill>
+                </a:rPr>
+                <a:t> </a:t>
               </a:r>
               <a:r>
                 <a:rPr lang="en-US" altLang="zh-CN" sz="1600" dirty="0" err="1">
@@ -5526,8 +5860,8 @@
           </p:nvSpPr>
           <p:spPr>
             <a:xfrm>
-              <a:off x="3840863" y="2906570"/>
-              <a:ext cx="1172116" cy="1095108"/>
+              <a:off x="3840863" y="2557420"/>
+              <a:ext cx="1172116" cy="2129237"/>
             </a:xfrm>
             <a:prstGeom prst="rect">
               <a:avLst/>
@@ -5559,8 +5893,60 @@
                 </a:lnSpc>
               </a:pPr>
               <a:r>
+                <a:rPr lang="en-US" altLang="zh-CN" sz="1600" dirty="0" err="1"/>
+                <a:t>CamA</a:t>
+              </a:r>
+              <a:r>
                 <a:rPr lang="en-US" altLang="zh-CN" sz="1600" dirty="0"/>
-                <a:t>Cam Trig</a:t>
+                <a:t> Trig</a:t>
+              </a:r>
+              <a:endParaRPr lang="en-US" altLang="zh-CN" sz="1600" b="1" dirty="0"/>
+            </a:p>
+            <a:p>
+              <a:pPr>
+                <a:lnSpc>
+                  <a:spcPct val="140000"/>
+                </a:lnSpc>
+              </a:pPr>
+              <a:r>
+                <a:rPr lang="en-US" altLang="zh-CN" sz="1600" dirty="0" err="1"/>
+                <a:t>CamB</a:t>
+              </a:r>
+              <a:r>
+                <a:rPr lang="en-US" altLang="zh-CN" sz="1600" dirty="0"/>
+                <a:t> Trig</a:t>
+              </a:r>
+              <a:endParaRPr lang="en-US" altLang="zh-CN" sz="1600" b="1" dirty="0"/>
+            </a:p>
+            <a:p>
+              <a:pPr>
+                <a:lnSpc>
+                  <a:spcPct val="140000"/>
+                </a:lnSpc>
+              </a:pPr>
+              <a:r>
+                <a:rPr lang="en-US" altLang="zh-CN" sz="1600" dirty="0" err="1"/>
+                <a:t>CamC</a:t>
+              </a:r>
+              <a:r>
+                <a:rPr lang="en-US" altLang="zh-CN" sz="1600" dirty="0"/>
+                <a:t> Trig</a:t>
+              </a:r>
+              <a:endParaRPr lang="en-US" altLang="zh-CN" sz="1600" b="1" dirty="0"/>
+            </a:p>
+            <a:p>
+              <a:pPr>
+                <a:lnSpc>
+                  <a:spcPct val="140000"/>
+                </a:lnSpc>
+              </a:pPr>
+              <a:r>
+                <a:rPr lang="en-US" altLang="zh-CN" sz="1600" dirty="0" err="1"/>
+                <a:t>CamD</a:t>
+              </a:r>
+              <a:r>
+                <a:rPr lang="en-US" altLang="zh-CN" sz="1600" dirty="0"/>
+                <a:t> Trig</a:t>
               </a:r>
               <a:endParaRPr lang="en-US" altLang="zh-CN" sz="1600" b="1" dirty="0"/>
             </a:p>
@@ -5587,6 +5973,146 @@
                 <a:t>Encoder In</a:t>
               </a:r>
               <a:endParaRPr lang="zh-CN" altLang="en-US" sz="1600" dirty="0"/>
+            </a:p>
+          </p:txBody>
+        </p:sp>
+        <p:sp>
+          <p:nvSpPr>
+            <p:cNvPr id="10" name="文本框 16">
+              <a:extLst>
+                <a:ext uri="{FF2B5EF4-FFF2-40B4-BE49-F238E27FC236}">
+                  <a16:creationId xmlns:a16="http://schemas.microsoft.com/office/drawing/2014/main" id="{35C75B37-0E21-A00B-FA4C-66D0EE1A1B41}"/>
+                </a:ext>
+              </a:extLst>
+            </p:cNvPr>
+            <p:cNvSpPr txBox="1"/>
+            <p:nvPr/>
+          </p:nvSpPr>
+          <p:spPr>
+            <a:xfrm rot="5400000">
+              <a:off x="4241654" y="2611953"/>
+              <a:ext cx="1724001" cy="1095108"/>
+            </a:xfrm>
+            <a:prstGeom prst="rect">
+              <a:avLst/>
+            </a:prstGeom>
+            <a:noFill/>
+          </p:spPr>
+          <p:txBody>
+            <a:bodyPr wrap="square" rtlCol="0">
+              <a:spAutoFit/>
+            </a:bodyPr>
+            <a:lstStyle>
+              <a:defPPr>
+                <a:defRPr lang="zh-CN"/>
+              </a:defPPr>
+              <a:lvl1pPr>
+                <a:defRPr b="1">
+                  <a:solidFill>
+                    <a:schemeClr val="bg2">
+                      <a:lumMod val="50000"/>
+                    </a:schemeClr>
+                  </a:solidFill>
+                </a:defRPr>
+              </a:lvl1pPr>
+            </a:lstStyle>
+            <a:p>
+              <a:pPr algn="r">
+                <a:lnSpc>
+                  <a:spcPct val="140000"/>
+                </a:lnSpc>
+              </a:pPr>
+              <a:r>
+                <a:rPr lang="en-US" altLang="zh-CN" sz="1600" dirty="0" err="1">
+                  <a:solidFill>
+                    <a:schemeClr val="tx1"/>
+                  </a:solidFill>
+                </a:rPr>
+                <a:t>CamC</a:t>
+              </a:r>
+              <a:r>
+                <a:rPr lang="en-US" altLang="zh-CN" sz="1600" dirty="0">
+                  <a:solidFill>
+                    <a:schemeClr val="tx1"/>
+                  </a:solidFill>
+                </a:rPr>
+                <a:t> </a:t>
+              </a:r>
+              <a:r>
+                <a:rPr lang="en-US" altLang="zh-CN" sz="1600" dirty="0" err="1">
+                  <a:solidFill>
+                    <a:schemeClr val="tx1"/>
+                  </a:solidFill>
+                </a:rPr>
+                <a:t>Div</a:t>
+              </a:r>
+              <a:r>
+                <a:rPr lang="en-US" altLang="zh-CN" sz="1600" dirty="0">
+                  <a:solidFill>
+                    <a:schemeClr val="tx1"/>
+                  </a:solidFill>
+                </a:rPr>
+                <a:t>[31:0]</a:t>
+              </a:r>
+            </a:p>
+            <a:p>
+              <a:pPr algn="r">
+                <a:lnSpc>
+                  <a:spcPct val="140000"/>
+                </a:lnSpc>
+              </a:pPr>
+              <a:r>
+                <a:rPr lang="en-US" altLang="zh-CN" sz="1600" dirty="0" err="1">
+                  <a:solidFill>
+                    <a:schemeClr val="tx1"/>
+                  </a:solidFill>
+                </a:rPr>
+                <a:t>CamD</a:t>
+              </a:r>
+              <a:r>
+                <a:rPr lang="en-US" altLang="zh-CN" sz="1600" dirty="0">
+                  <a:solidFill>
+                    <a:schemeClr val="tx1"/>
+                  </a:solidFill>
+                </a:rPr>
+                <a:t> </a:t>
+              </a:r>
+              <a:r>
+                <a:rPr lang="en-US" altLang="zh-CN" sz="1600" dirty="0" err="1">
+                  <a:solidFill>
+                    <a:schemeClr val="tx1"/>
+                  </a:solidFill>
+                </a:rPr>
+                <a:t>Div</a:t>
+              </a:r>
+              <a:r>
+                <a:rPr lang="en-US" altLang="zh-CN" sz="1600" dirty="0">
+                  <a:solidFill>
+                    <a:schemeClr val="tx1"/>
+                  </a:solidFill>
+                </a:rPr>
+                <a:t>[31:0]</a:t>
+              </a:r>
+            </a:p>
+            <a:p>
+              <a:pPr algn="r">
+                <a:lnSpc>
+                  <a:spcPct val="140000"/>
+                </a:lnSpc>
+              </a:pPr>
+              <a:r>
+                <a:rPr lang="en-US" altLang="zh-CN" sz="1600" b="1" dirty="0">
+                  <a:solidFill>
+                    <a:schemeClr val="tx1"/>
+                  </a:solidFill>
+                </a:rPr>
+                <a:t> </a:t>
+              </a:r>
+              <a:endParaRPr lang="zh-CN" altLang="en-US" sz="1600" b="1" dirty="0">
+                <a:solidFill>
+                  <a:schemeClr val="tx1"/>
+                </a:solidFill>
+              </a:endParaRPr>
             </a:p>
           </p:txBody>
         </p:sp>

--- a/doc/pl_reference_mannual.assets/blocks.pptx
+++ b/doc/pl_reference_mannual.assets/blocks.pptx
@@ -261,7 +261,7 @@
           <a:p>
             <a:fld id="{747C143F-F66F-4C20-81A3-297298CCCF53}" type="datetimeFigureOut">
               <a:rPr lang="zh-CN" altLang="en-US" smtClean="0"/>
-              <a:t>2023-04-25</a:t>
+              <a:t>2023-04-26</a:t>
             </a:fld>
             <a:endParaRPr lang="zh-CN" altLang="en-US"/>
           </a:p>
@@ -459,7 +459,7 @@
           <a:p>
             <a:fld id="{747C143F-F66F-4C20-81A3-297298CCCF53}" type="datetimeFigureOut">
               <a:rPr lang="zh-CN" altLang="en-US" smtClean="0"/>
-              <a:t>2023-04-25</a:t>
+              <a:t>2023-04-26</a:t>
             </a:fld>
             <a:endParaRPr lang="zh-CN" altLang="en-US"/>
           </a:p>
@@ -667,7 +667,7 @@
           <a:p>
             <a:fld id="{747C143F-F66F-4C20-81A3-297298CCCF53}" type="datetimeFigureOut">
               <a:rPr lang="zh-CN" altLang="en-US" smtClean="0"/>
-              <a:t>2023-04-25</a:t>
+              <a:t>2023-04-26</a:t>
             </a:fld>
             <a:endParaRPr lang="zh-CN" altLang="en-US"/>
           </a:p>
@@ -865,7 +865,7 @@
           <a:p>
             <a:fld id="{747C143F-F66F-4C20-81A3-297298CCCF53}" type="datetimeFigureOut">
               <a:rPr lang="zh-CN" altLang="en-US" smtClean="0"/>
-              <a:t>2023-04-25</a:t>
+              <a:t>2023-04-26</a:t>
             </a:fld>
             <a:endParaRPr lang="zh-CN" altLang="en-US"/>
           </a:p>
@@ -1140,7 +1140,7 @@
           <a:p>
             <a:fld id="{747C143F-F66F-4C20-81A3-297298CCCF53}" type="datetimeFigureOut">
               <a:rPr lang="zh-CN" altLang="en-US" smtClean="0"/>
-              <a:t>2023-04-25</a:t>
+              <a:t>2023-04-26</a:t>
             </a:fld>
             <a:endParaRPr lang="zh-CN" altLang="en-US"/>
           </a:p>
@@ -1405,7 +1405,7 @@
           <a:p>
             <a:fld id="{747C143F-F66F-4C20-81A3-297298CCCF53}" type="datetimeFigureOut">
               <a:rPr lang="zh-CN" altLang="en-US" smtClean="0"/>
-              <a:t>2023-04-25</a:t>
+              <a:t>2023-04-26</a:t>
             </a:fld>
             <a:endParaRPr lang="zh-CN" altLang="en-US"/>
           </a:p>
@@ -1817,7 +1817,7 @@
           <a:p>
             <a:fld id="{747C143F-F66F-4C20-81A3-297298CCCF53}" type="datetimeFigureOut">
               <a:rPr lang="zh-CN" altLang="en-US" smtClean="0"/>
-              <a:t>2023-04-25</a:t>
+              <a:t>2023-04-26</a:t>
             </a:fld>
             <a:endParaRPr lang="zh-CN" altLang="en-US"/>
           </a:p>
@@ -1958,7 +1958,7 @@
           <a:p>
             <a:fld id="{747C143F-F66F-4C20-81A3-297298CCCF53}" type="datetimeFigureOut">
               <a:rPr lang="zh-CN" altLang="en-US" smtClean="0"/>
-              <a:t>2023-04-25</a:t>
+              <a:t>2023-04-26</a:t>
             </a:fld>
             <a:endParaRPr lang="zh-CN" altLang="en-US"/>
           </a:p>
@@ -2071,7 +2071,7 @@
           <a:p>
             <a:fld id="{747C143F-F66F-4C20-81A3-297298CCCF53}" type="datetimeFigureOut">
               <a:rPr lang="zh-CN" altLang="en-US" smtClean="0"/>
-              <a:t>2023-04-25</a:t>
+              <a:t>2023-04-26</a:t>
             </a:fld>
             <a:endParaRPr lang="zh-CN" altLang="en-US"/>
           </a:p>
@@ -2382,7 +2382,7 @@
           <a:p>
             <a:fld id="{747C143F-F66F-4C20-81A3-297298CCCF53}" type="datetimeFigureOut">
               <a:rPr lang="zh-CN" altLang="en-US" smtClean="0"/>
-              <a:t>2023-04-25</a:t>
+              <a:t>2023-04-26</a:t>
             </a:fld>
             <a:endParaRPr lang="zh-CN" altLang="en-US"/>
           </a:p>
@@ -2670,7 +2670,7 @@
           <a:p>
             <a:fld id="{747C143F-F66F-4C20-81A3-297298CCCF53}" type="datetimeFigureOut">
               <a:rPr lang="zh-CN" altLang="en-US" smtClean="0"/>
-              <a:t>2023-04-25</a:t>
+              <a:t>2023-04-26</a:t>
             </a:fld>
             <a:endParaRPr lang="zh-CN" altLang="en-US"/>
           </a:p>
@@ -2911,7 +2911,7 @@
           <a:p>
             <a:fld id="{747C143F-F66F-4C20-81A3-297298CCCF53}" type="datetimeFigureOut">
               <a:rPr lang="zh-CN" altLang="en-US" smtClean="0"/>
-              <a:t>2023-04-25</a:t>
+              <a:t>2023-04-26</a:t>
             </a:fld>
             <a:endParaRPr lang="zh-CN" altLang="en-US"/>
           </a:p>
@@ -4552,10 +4552,10 @@
       </p:grpSpPr>
       <p:grpSp>
         <p:nvGrpSpPr>
-          <p:cNvPr id="23" name="Group 22">
+          <p:cNvPr id="13" name="Group 12">
             <a:extLst>
               <a:ext uri="{FF2B5EF4-FFF2-40B4-BE49-F238E27FC236}">
-                <a16:creationId xmlns:a16="http://schemas.microsoft.com/office/drawing/2014/main" id="{342EBDE6-3AC5-D4C7-1A6C-6E51BE8634F6}"/>
+                <a16:creationId xmlns:a16="http://schemas.microsoft.com/office/drawing/2014/main" id="{BD7781DF-4493-729D-8456-20A3370CA41B}"/>
               </a:ext>
             </a:extLst>
           </p:cNvPr>
@@ -4564,18 +4564,18 @@
         </p:nvGrpSpPr>
         <p:grpSpPr>
           <a:xfrm>
-            <a:off x="3563488" y="2039641"/>
-            <a:ext cx="3796966" cy="3336436"/>
-            <a:chOff x="3563488" y="2039641"/>
-            <a:chExt cx="3796966" cy="3336436"/>
+            <a:off x="3522850" y="2418080"/>
+            <a:ext cx="3939199" cy="3054771"/>
+            <a:chOff x="3522850" y="2418080"/>
+            <a:chExt cx="3939199" cy="3054771"/>
           </a:xfrm>
         </p:grpSpPr>
         <p:cxnSp>
           <p:nvCxnSpPr>
-            <p:cNvPr id="19" name="直接连接符 36">
+            <p:cNvPr id="8" name="直接连接符 20">
               <a:extLst>
                 <a:ext uri="{FF2B5EF4-FFF2-40B4-BE49-F238E27FC236}">
-                  <a16:creationId xmlns:a16="http://schemas.microsoft.com/office/drawing/2014/main" id="{6C9AA464-D1E5-F81F-419A-9FCF5EFC99D7}"/>
+                  <a16:creationId xmlns:a16="http://schemas.microsoft.com/office/drawing/2014/main" id="{8848EC34-72CC-D89B-5C63-736433DBD191}"/>
                 </a:ext>
               </a:extLst>
             </p:cNvPr>
@@ -4585,9 +4585,56 @@
             <p:nvPr/>
           </p:nvCxnSpPr>
           <p:spPr>
-            <a:xfrm flipV="1">
-              <a:off x="5390417" y="2039641"/>
-              <a:ext cx="0" cy="424738"/>
+            <a:xfrm>
+              <a:off x="3522850" y="4929652"/>
+              <a:ext cx="429452" cy="0"/>
+            </a:xfrm>
+            <a:prstGeom prst="line">
+              <a:avLst/>
+            </a:prstGeom>
+            <a:ln w="28575">
+              <a:solidFill>
+                <a:schemeClr val="accent1">
+                  <a:lumMod val="40000"/>
+                  <a:lumOff val="60000"/>
+                </a:schemeClr>
+              </a:solidFill>
+              <a:tailEnd type="none" w="lg" len="lg"/>
+            </a:ln>
+          </p:spPr>
+          <p:style>
+            <a:lnRef idx="1">
+              <a:schemeClr val="dk1"/>
+            </a:lnRef>
+            <a:fillRef idx="0">
+              <a:schemeClr val="dk1"/>
+            </a:fillRef>
+            <a:effectRef idx="0">
+              <a:schemeClr val="dk1"/>
+            </a:effectRef>
+            <a:fontRef idx="minor">
+              <a:schemeClr val="tx1"/>
+            </a:fontRef>
+          </p:style>
+        </p:cxnSp>
+        <p:cxnSp>
+          <p:nvCxnSpPr>
+            <p:cNvPr id="2" name="直接连接符 38">
+              <a:extLst>
+                <a:ext uri="{FF2B5EF4-FFF2-40B4-BE49-F238E27FC236}">
+                  <a16:creationId xmlns:a16="http://schemas.microsoft.com/office/drawing/2014/main" id="{55DEE587-9145-826C-C625-40DC3AA88BCC}"/>
+                </a:ext>
+              </a:extLst>
+            </p:cNvPr>
+            <p:cNvCxnSpPr>
+              <a:cxnSpLocks/>
+            </p:cNvCxnSpPr>
+            <p:nvPr/>
+          </p:nvCxnSpPr>
+          <p:spPr>
+            <a:xfrm>
+              <a:off x="6971637" y="5133548"/>
+              <a:ext cx="490412" cy="0"/>
             </a:xfrm>
             <a:prstGeom prst="line">
               <a:avLst/>
@@ -4618,10 +4665,10 @@
         </p:cxnSp>
         <p:cxnSp>
           <p:nvCxnSpPr>
-            <p:cNvPr id="14" name="直接连接符 36">
+            <p:cNvPr id="7" name="直接连接符 38">
               <a:extLst>
                 <a:ext uri="{FF2B5EF4-FFF2-40B4-BE49-F238E27FC236}">
-                  <a16:creationId xmlns:a16="http://schemas.microsoft.com/office/drawing/2014/main" id="{950F43D9-9BA3-D90D-E533-02090A33AF23}"/>
+                  <a16:creationId xmlns:a16="http://schemas.microsoft.com/office/drawing/2014/main" id="{DA012D56-310F-4B94-CDE0-CED7BA4A4F07}"/>
                 </a:ext>
               </a:extLst>
             </p:cNvPr>
@@ -4631,9 +4678,9 @@
             <p:nvPr/>
           </p:nvCxnSpPr>
           <p:spPr>
-            <a:xfrm flipV="1">
-              <a:off x="5075971" y="2039641"/>
-              <a:ext cx="0" cy="424738"/>
+            <a:xfrm>
+              <a:off x="6971637" y="4815150"/>
+              <a:ext cx="490412" cy="0"/>
             </a:xfrm>
             <a:prstGeom prst="line">
               <a:avLst/>
@@ -4678,7 +4725,7 @@
           </p:nvCxnSpPr>
           <p:spPr>
             <a:xfrm>
-              <a:off x="6870042" y="4473148"/>
+              <a:off x="6971637" y="4473148"/>
               <a:ext cx="490412" cy="0"/>
             </a:xfrm>
             <a:prstGeom prst="line">
@@ -4724,7 +4771,7 @@
           </p:nvCxnSpPr>
           <p:spPr>
             <a:xfrm>
-              <a:off x="3563488" y="4473148"/>
+              <a:off x="3522850" y="4608609"/>
               <a:ext cx="429452" cy="0"/>
             </a:xfrm>
             <a:prstGeom prst="line">
@@ -4771,7 +4818,7 @@
           </p:nvCxnSpPr>
           <p:spPr>
             <a:xfrm>
-              <a:off x="3563488" y="3808009"/>
+              <a:off x="3522850" y="3943470"/>
               <a:ext cx="429452" cy="0"/>
             </a:xfrm>
             <a:prstGeom prst="line">
@@ -4818,7 +4865,7 @@
           </p:nvCxnSpPr>
           <p:spPr>
             <a:xfrm>
-              <a:off x="3563488" y="4145284"/>
+              <a:off x="3522850" y="4280745"/>
               <a:ext cx="490412" cy="0"/>
             </a:xfrm>
             <a:prstGeom prst="line">
@@ -4865,7 +4912,7 @@
           </p:nvCxnSpPr>
           <p:spPr>
             <a:xfrm>
-              <a:off x="3563488" y="3487371"/>
+              <a:off x="3522850" y="3622832"/>
               <a:ext cx="429452" cy="0"/>
             </a:xfrm>
             <a:prstGeom prst="line">
@@ -4912,7 +4959,7 @@
           </p:nvCxnSpPr>
           <p:spPr>
             <a:xfrm>
-              <a:off x="6870042" y="4154750"/>
+              <a:off x="6971637" y="4154750"/>
               <a:ext cx="490412" cy="0"/>
             </a:xfrm>
             <a:prstGeom prst="line">
@@ -4958,7 +5005,7 @@
           </p:nvCxnSpPr>
           <p:spPr>
             <a:xfrm>
-              <a:off x="6870042" y="3848915"/>
+              <a:off x="6971637" y="3848915"/>
               <a:ext cx="490412" cy="0"/>
             </a:xfrm>
             <a:prstGeom prst="line">
@@ -5004,7 +5051,7 @@
           </p:nvCxnSpPr>
           <p:spPr>
             <a:xfrm>
-              <a:off x="6870042" y="2830286"/>
+              <a:off x="6971637" y="2830286"/>
               <a:ext cx="490412" cy="0"/>
             </a:xfrm>
             <a:prstGeom prst="line">
@@ -5050,7 +5097,7 @@
           </p:nvCxnSpPr>
           <p:spPr>
             <a:xfrm>
-              <a:off x="6870042" y="3163565"/>
+              <a:off x="6971637" y="3163565"/>
               <a:ext cx="490412" cy="0"/>
             </a:xfrm>
             <a:prstGeom prst="line">
@@ -5096,7 +5143,7 @@
           </p:nvCxnSpPr>
           <p:spPr>
             <a:xfrm>
-              <a:off x="6870042" y="3496825"/>
+              <a:off x="6971637" y="3496825"/>
               <a:ext cx="490412" cy="0"/>
             </a:xfrm>
             <a:prstGeom prst="line">
@@ -5142,7 +5189,7 @@
           </p:nvCxnSpPr>
           <p:spPr>
             <a:xfrm>
-              <a:off x="3563488" y="2822232"/>
+              <a:off x="3522850" y="2957693"/>
               <a:ext cx="429452" cy="0"/>
             </a:xfrm>
             <a:prstGeom prst="line">
@@ -5189,7 +5236,7 @@
           </p:nvCxnSpPr>
           <p:spPr>
             <a:xfrm>
-              <a:off x="3563488" y="3159507"/>
+              <a:off x="3522850" y="3294968"/>
               <a:ext cx="490412" cy="0"/>
             </a:xfrm>
             <a:prstGeom prst="line">
@@ -5235,7 +5282,7 @@
           <p:spPr>
             <a:xfrm>
               <a:off x="3840863" y="2418080"/>
-              <a:ext cx="3205097" cy="2407919"/>
+              <a:ext cx="3264364" cy="3054771"/>
             </a:xfrm>
             <a:prstGeom prst="roundRect">
               <a:avLst>
@@ -5632,8 +5679,8 @@
           </p:nvSpPr>
           <p:spPr>
             <a:xfrm>
-              <a:off x="5321959" y="2557420"/>
-              <a:ext cx="1724001" cy="2818657"/>
+              <a:off x="5290354" y="2557420"/>
+              <a:ext cx="1724001" cy="2726324"/>
             </a:xfrm>
             <a:prstGeom prst="rect">
               <a:avLst/>
@@ -5641,7 +5688,7 @@
             <a:noFill/>
           </p:spPr>
           <p:txBody>
-            <a:bodyPr wrap="square" rtlCol="0">
+            <a:bodyPr wrap="square" lIns="0" tIns="0" rIns="0" bIns="0" rtlCol="0">
               <a:spAutoFit/>
             </a:bodyPr>
             <a:lstStyle>
@@ -5826,11 +5873,38 @@
                   <a:spcPct val="140000"/>
                 </a:lnSpc>
               </a:pPr>
-              <a:endParaRPr lang="en-US" altLang="zh-CN" sz="1600" b="1" dirty="0">
-                <a:solidFill>
-                  <a:schemeClr val="tx1"/>
-                </a:solidFill>
-              </a:endParaRPr>
+              <a:r>
+                <a:rPr lang="en-US" altLang="zh-CN" sz="1600" dirty="0" err="1">
+                  <a:solidFill>
+                    <a:schemeClr val="tx1"/>
+                  </a:solidFill>
+                </a:rPr>
+                <a:t>CamC</a:t>
+              </a:r>
+              <a:r>
+                <a:rPr lang="en-US" altLang="zh-CN" sz="1600" dirty="0">
+                  <a:solidFill>
+                    <a:schemeClr val="tx1"/>
+                  </a:solidFill>
+                </a:rPr>
+                <a:t> </a:t>
+              </a:r>
+              <a:r>
+                <a:rPr lang="en-US" altLang="zh-CN" sz="1600" dirty="0" err="1">
+                  <a:solidFill>
+                    <a:schemeClr val="tx1"/>
+                  </a:solidFill>
+                </a:rPr>
+                <a:t>Div</a:t>
+              </a:r>
+              <a:r>
+                <a:rPr lang="en-US" altLang="zh-CN" sz="1600" dirty="0">
+                  <a:solidFill>
+                    <a:schemeClr val="tx1"/>
+                  </a:solidFill>
+                </a:rPr>
+                <a:t>[31:0]</a:t>
+              </a:r>
             </a:p>
             <a:p>
               <a:pPr algn="r">
@@ -5838,11 +5912,38 @@
                   <a:spcPct val="140000"/>
                 </a:lnSpc>
               </a:pPr>
-              <a:endParaRPr lang="zh-CN" altLang="en-US" sz="1600" b="1" dirty="0">
-                <a:solidFill>
-                  <a:schemeClr val="tx1"/>
-                </a:solidFill>
-              </a:endParaRPr>
+              <a:r>
+                <a:rPr lang="en-US" altLang="zh-CN" sz="1600" dirty="0" err="1">
+                  <a:solidFill>
+                    <a:schemeClr val="tx1"/>
+                  </a:solidFill>
+                </a:rPr>
+                <a:t>CamD</a:t>
+              </a:r>
+              <a:r>
+                <a:rPr lang="en-US" altLang="zh-CN" sz="1600" dirty="0">
+                  <a:solidFill>
+                    <a:schemeClr val="tx1"/>
+                  </a:solidFill>
+                </a:rPr>
+                <a:t> </a:t>
+              </a:r>
+              <a:r>
+                <a:rPr lang="en-US" altLang="zh-CN" sz="1600" dirty="0" err="1">
+                  <a:solidFill>
+                    <a:schemeClr val="tx1"/>
+                  </a:solidFill>
+                </a:rPr>
+                <a:t>Div</a:t>
+              </a:r>
+              <a:r>
+                <a:rPr lang="en-US" altLang="zh-CN" sz="1600" dirty="0">
+                  <a:solidFill>
+                    <a:schemeClr val="tx1"/>
+                  </a:solidFill>
+                </a:rPr>
+                <a:t>[31:0]</a:t>
+              </a:r>
             </a:p>
           </p:txBody>
         </p:sp>
@@ -5860,8 +5961,8 @@
           </p:nvSpPr>
           <p:spPr>
             <a:xfrm>
-              <a:off x="3840863" y="2557420"/>
-              <a:ext cx="1172116" cy="2129237"/>
+              <a:off x="3863011" y="2692881"/>
+              <a:ext cx="1172116" cy="2473947"/>
             </a:xfrm>
             <a:prstGeom prst="rect">
               <a:avLst/>
@@ -5972,147 +6073,18 @@
                 <a:rPr lang="en-US" altLang="zh-CN" sz="1600" dirty="0"/>
                 <a:t>Encoder In</a:t>
               </a:r>
-              <a:endParaRPr lang="zh-CN" altLang="en-US" sz="1600" dirty="0"/>
             </a:p>
-          </p:txBody>
-        </p:sp>
-        <p:sp>
-          <p:nvSpPr>
-            <p:cNvPr id="10" name="文本框 16">
-              <a:extLst>
-                <a:ext uri="{FF2B5EF4-FFF2-40B4-BE49-F238E27FC236}">
-                  <a16:creationId xmlns:a16="http://schemas.microsoft.com/office/drawing/2014/main" id="{35C75B37-0E21-A00B-FA4C-66D0EE1A1B41}"/>
-                </a:ext>
-              </a:extLst>
-            </p:cNvPr>
-            <p:cNvSpPr txBox="1"/>
-            <p:nvPr/>
-          </p:nvSpPr>
-          <p:spPr>
-            <a:xfrm rot="5400000">
-              <a:off x="4241654" y="2611953"/>
-              <a:ext cx="1724001" cy="1095108"/>
-            </a:xfrm>
-            <a:prstGeom prst="rect">
-              <a:avLst/>
-            </a:prstGeom>
-            <a:noFill/>
-          </p:spPr>
-          <p:txBody>
-            <a:bodyPr wrap="square" rtlCol="0">
-              <a:spAutoFit/>
-            </a:bodyPr>
-            <a:lstStyle>
-              <a:defPPr>
-                <a:defRPr lang="zh-CN"/>
-              </a:defPPr>
-              <a:lvl1pPr>
-                <a:defRPr b="1">
-                  <a:solidFill>
-                    <a:schemeClr val="bg2">
-                      <a:lumMod val="50000"/>
-                    </a:schemeClr>
-                  </a:solidFill>
-                </a:defRPr>
-              </a:lvl1pPr>
-            </a:lstStyle>
             <a:p>
-              <a:pPr algn="r">
+              <a:pPr>
                 <a:lnSpc>
                   <a:spcPct val="140000"/>
                 </a:lnSpc>
               </a:pPr>
               <a:r>
-                <a:rPr lang="en-US" altLang="zh-CN" sz="1600" dirty="0" err="1">
-                  <a:solidFill>
-                    <a:schemeClr val="tx1"/>
-                  </a:solidFill>
-                </a:rPr>
-                <a:t>CamC</a:t>
+                <a:rPr lang="en-US" altLang="zh-CN" sz="1600" dirty="0"/>
+                <a:t>Ex CLR</a:t>
               </a:r>
-              <a:r>
-                <a:rPr lang="en-US" altLang="zh-CN" sz="1600" dirty="0">
-                  <a:solidFill>
-                    <a:schemeClr val="tx1"/>
-                  </a:solidFill>
-                </a:rPr>
-                <a:t> </a:t>
-              </a:r>
-              <a:r>
-                <a:rPr lang="en-US" altLang="zh-CN" sz="1600" dirty="0" err="1">
-                  <a:solidFill>
-                    <a:schemeClr val="tx1"/>
-                  </a:solidFill>
-                </a:rPr>
-                <a:t>Div</a:t>
-              </a:r>
-              <a:r>
-                <a:rPr lang="en-US" altLang="zh-CN" sz="1600" dirty="0">
-                  <a:solidFill>
-                    <a:schemeClr val="tx1"/>
-                  </a:solidFill>
-                </a:rPr>
-                <a:t>[31:0]</a:t>
-              </a:r>
-            </a:p>
-            <a:p>
-              <a:pPr algn="r">
-                <a:lnSpc>
-                  <a:spcPct val="140000"/>
-                </a:lnSpc>
-              </a:pPr>
-              <a:r>
-                <a:rPr lang="en-US" altLang="zh-CN" sz="1600" dirty="0" err="1">
-                  <a:solidFill>
-                    <a:schemeClr val="tx1"/>
-                  </a:solidFill>
-                </a:rPr>
-                <a:t>CamD</a:t>
-              </a:r>
-              <a:r>
-                <a:rPr lang="en-US" altLang="zh-CN" sz="1600" dirty="0">
-                  <a:solidFill>
-                    <a:schemeClr val="tx1"/>
-                  </a:solidFill>
-                </a:rPr>
-                <a:t> </a:t>
-              </a:r>
-              <a:r>
-                <a:rPr lang="en-US" altLang="zh-CN" sz="1600" dirty="0" err="1">
-                  <a:solidFill>
-                    <a:schemeClr val="tx1"/>
-                  </a:solidFill>
-                </a:rPr>
-                <a:t>Div</a:t>
-              </a:r>
-              <a:r>
-                <a:rPr lang="en-US" altLang="zh-CN" sz="1600" dirty="0">
-                  <a:solidFill>
-                    <a:schemeClr val="tx1"/>
-                  </a:solidFill>
-                </a:rPr>
-                <a:t>[31:0]</a:t>
-              </a:r>
-            </a:p>
-            <a:p>
-              <a:pPr algn="r">
-                <a:lnSpc>
-                  <a:spcPct val="140000"/>
-                </a:lnSpc>
-              </a:pPr>
-              <a:r>
-                <a:rPr lang="en-US" altLang="zh-CN" sz="1600" b="1" dirty="0">
-                  <a:solidFill>
-                    <a:schemeClr val="tx1"/>
-                  </a:solidFill>
-                </a:rPr>
-                <a:t> </a:t>
-              </a:r>
-              <a:endParaRPr lang="zh-CN" altLang="en-US" sz="1600" b="1" dirty="0">
-                <a:solidFill>
-                  <a:schemeClr val="tx1"/>
-                </a:solidFill>
-              </a:endParaRPr>
+              <a:endParaRPr lang="zh-CN" altLang="en-US" sz="1600" dirty="0"/>
             </a:p>
           </p:txBody>
         </p:sp>

--- a/doc/pl_reference_mannual.assets/blocks.pptx
+++ b/doc/pl_reference_mannual.assets/blocks.pptx
@@ -5,9 +5,8 @@
     <p:sldMasterId id="2147483648" r:id="rId1"/>
   </p:sldMasterIdLst>
   <p:sldIdLst>
-    <p:sldId id="256" r:id="rId2"/>
-    <p:sldId id="257" r:id="rId3"/>
-    <p:sldId id="258" r:id="rId4"/>
+    <p:sldId id="257" r:id="rId2"/>
+    <p:sldId id="258" r:id="rId3"/>
   </p:sldIdLst>
   <p:sldSz cx="12192000" cy="6858000"/>
   <p:notesSz cx="6858000" cy="9144000"/>
@@ -261,7 +260,7 @@
           <a:p>
             <a:fld id="{747C143F-F66F-4C20-81A3-297298CCCF53}" type="datetimeFigureOut">
               <a:rPr lang="zh-CN" altLang="en-US" smtClean="0"/>
-              <a:t>2023-04-26</a:t>
+              <a:t>2023-04-29</a:t>
             </a:fld>
             <a:endParaRPr lang="zh-CN" altLang="en-US"/>
           </a:p>
@@ -459,7 +458,7 @@
           <a:p>
             <a:fld id="{747C143F-F66F-4C20-81A3-297298CCCF53}" type="datetimeFigureOut">
               <a:rPr lang="zh-CN" altLang="en-US" smtClean="0"/>
-              <a:t>2023-04-26</a:t>
+              <a:t>2023-04-29</a:t>
             </a:fld>
             <a:endParaRPr lang="zh-CN" altLang="en-US"/>
           </a:p>
@@ -667,7 +666,7 @@
           <a:p>
             <a:fld id="{747C143F-F66F-4C20-81A3-297298CCCF53}" type="datetimeFigureOut">
               <a:rPr lang="zh-CN" altLang="en-US" smtClean="0"/>
-              <a:t>2023-04-26</a:t>
+              <a:t>2023-04-29</a:t>
             </a:fld>
             <a:endParaRPr lang="zh-CN" altLang="en-US"/>
           </a:p>
@@ -865,7 +864,7 @@
           <a:p>
             <a:fld id="{747C143F-F66F-4C20-81A3-297298CCCF53}" type="datetimeFigureOut">
               <a:rPr lang="zh-CN" altLang="en-US" smtClean="0"/>
-              <a:t>2023-04-26</a:t>
+              <a:t>2023-04-29</a:t>
             </a:fld>
             <a:endParaRPr lang="zh-CN" altLang="en-US"/>
           </a:p>
@@ -1140,7 +1139,7 @@
           <a:p>
             <a:fld id="{747C143F-F66F-4C20-81A3-297298CCCF53}" type="datetimeFigureOut">
               <a:rPr lang="zh-CN" altLang="en-US" smtClean="0"/>
-              <a:t>2023-04-26</a:t>
+              <a:t>2023-04-29</a:t>
             </a:fld>
             <a:endParaRPr lang="zh-CN" altLang="en-US"/>
           </a:p>
@@ -1405,7 +1404,7 @@
           <a:p>
             <a:fld id="{747C143F-F66F-4C20-81A3-297298CCCF53}" type="datetimeFigureOut">
               <a:rPr lang="zh-CN" altLang="en-US" smtClean="0"/>
-              <a:t>2023-04-26</a:t>
+              <a:t>2023-04-29</a:t>
             </a:fld>
             <a:endParaRPr lang="zh-CN" altLang="en-US"/>
           </a:p>
@@ -1817,7 +1816,7 @@
           <a:p>
             <a:fld id="{747C143F-F66F-4C20-81A3-297298CCCF53}" type="datetimeFigureOut">
               <a:rPr lang="zh-CN" altLang="en-US" smtClean="0"/>
-              <a:t>2023-04-26</a:t>
+              <a:t>2023-04-29</a:t>
             </a:fld>
             <a:endParaRPr lang="zh-CN" altLang="en-US"/>
           </a:p>
@@ -1958,7 +1957,7 @@
           <a:p>
             <a:fld id="{747C143F-F66F-4C20-81A3-297298CCCF53}" type="datetimeFigureOut">
               <a:rPr lang="zh-CN" altLang="en-US" smtClean="0"/>
-              <a:t>2023-04-26</a:t>
+              <a:t>2023-04-29</a:t>
             </a:fld>
             <a:endParaRPr lang="zh-CN" altLang="en-US"/>
           </a:p>
@@ -2071,7 +2070,7 @@
           <a:p>
             <a:fld id="{747C143F-F66F-4C20-81A3-297298CCCF53}" type="datetimeFigureOut">
               <a:rPr lang="zh-CN" altLang="en-US" smtClean="0"/>
-              <a:t>2023-04-26</a:t>
+              <a:t>2023-04-29</a:t>
             </a:fld>
             <a:endParaRPr lang="zh-CN" altLang="en-US"/>
           </a:p>
@@ -2382,7 +2381,7 @@
           <a:p>
             <a:fld id="{747C143F-F66F-4C20-81A3-297298CCCF53}" type="datetimeFigureOut">
               <a:rPr lang="zh-CN" altLang="en-US" smtClean="0"/>
-              <a:t>2023-04-26</a:t>
+              <a:t>2023-04-29</a:t>
             </a:fld>
             <a:endParaRPr lang="zh-CN" altLang="en-US"/>
           </a:p>
@@ -2670,7 +2669,7 @@
           <a:p>
             <a:fld id="{747C143F-F66F-4C20-81A3-297298CCCF53}" type="datetimeFigureOut">
               <a:rPr lang="zh-CN" altLang="en-US" smtClean="0"/>
-              <a:t>2023-04-26</a:t>
+              <a:t>2023-04-29</a:t>
             </a:fld>
             <a:endParaRPr lang="zh-CN" altLang="en-US"/>
           </a:p>
@@ -2911,7 +2910,7 @@
           <a:p>
             <a:fld id="{747C143F-F66F-4C20-81A3-297298CCCF53}" type="datetimeFigureOut">
               <a:rPr lang="zh-CN" altLang="en-US" smtClean="0"/>
-              <a:t>2023-04-26</a:t>
+              <a:t>2023-04-29</a:t>
             </a:fld>
             <a:endParaRPr lang="zh-CN" altLang="en-US"/>
           </a:p>
@@ -3312,1228 +3311,6 @@
 </file>
 
 <file path=ppt/slides/slide1.xml><?xml version="1.0" encoding="utf-8"?>
-<p:sld xmlns:a="http://schemas.openxmlformats.org/drawingml/2006/main" xmlns:r="http://schemas.openxmlformats.org/officeDocument/2006/relationships" xmlns:p="http://schemas.openxmlformats.org/presentationml/2006/main">
-  <p:cSld>
-    <p:spTree>
-      <p:nvGrpSpPr>
-        <p:cNvPr id="1" name=""/>
-        <p:cNvGrpSpPr/>
-        <p:nvPr/>
-      </p:nvGrpSpPr>
-      <p:grpSpPr>
-        <a:xfrm>
-          <a:off x="0" y="0"/>
-          <a:ext cx="0" cy="0"/>
-          <a:chOff x="0" y="0"/>
-          <a:chExt cx="0" cy="0"/>
-        </a:xfrm>
-      </p:grpSpPr>
-      <p:grpSp>
-        <p:nvGrpSpPr>
-          <p:cNvPr id="40" name="组合 39">
-            <a:extLst>
-              <a:ext uri="{FF2B5EF4-FFF2-40B4-BE49-F238E27FC236}">
-                <a16:creationId xmlns:a16="http://schemas.microsoft.com/office/drawing/2014/main" id="{6E8FD3A3-42F2-0F24-8AC6-860C5C42973F}"/>
-              </a:ext>
-            </a:extLst>
-          </p:cNvPr>
-          <p:cNvGrpSpPr/>
-          <p:nvPr/>
-        </p:nvGrpSpPr>
-        <p:grpSpPr>
-          <a:xfrm>
-            <a:off x="511115" y="670560"/>
-            <a:ext cx="3829937" cy="2369819"/>
-            <a:chOff x="3269555" y="1981200"/>
-            <a:chExt cx="3829937" cy="2369819"/>
-          </a:xfrm>
-        </p:grpSpPr>
-        <p:cxnSp>
-          <p:nvCxnSpPr>
-            <p:cNvPr id="39" name="直接连接符 38">
-              <a:extLst>
-                <a:ext uri="{FF2B5EF4-FFF2-40B4-BE49-F238E27FC236}">
-                  <a16:creationId xmlns:a16="http://schemas.microsoft.com/office/drawing/2014/main" id="{53FFB8EF-CA1B-D4A5-D2C8-5D7D844D04A2}"/>
-                </a:ext>
-              </a:extLst>
-            </p:cNvPr>
-            <p:cNvCxnSpPr>
-              <a:cxnSpLocks/>
-            </p:cNvCxnSpPr>
-            <p:nvPr/>
-          </p:nvCxnSpPr>
-          <p:spPr>
-            <a:xfrm>
-              <a:off x="3269555" y="3686011"/>
-              <a:ext cx="490412" cy="0"/>
-            </a:xfrm>
-            <a:prstGeom prst="line">
-              <a:avLst/>
-            </a:prstGeom>
-            <a:ln w="28575">
-              <a:solidFill>
-                <a:schemeClr val="accent1">
-                  <a:lumMod val="75000"/>
-                </a:schemeClr>
-              </a:solidFill>
-              <a:tailEnd type="none" w="lg" len="lg"/>
-            </a:ln>
-          </p:spPr>
-          <p:style>
-            <a:lnRef idx="1">
-              <a:schemeClr val="dk1"/>
-            </a:lnRef>
-            <a:fillRef idx="0">
-              <a:schemeClr val="dk1"/>
-            </a:fillRef>
-            <a:effectRef idx="0">
-              <a:schemeClr val="dk1"/>
-            </a:effectRef>
-            <a:fontRef idx="minor">
-              <a:schemeClr val="tx1"/>
-            </a:fontRef>
-          </p:style>
-        </p:cxnSp>
-        <p:cxnSp>
-          <p:nvCxnSpPr>
-            <p:cNvPr id="37" name="直接连接符 36">
-              <a:extLst>
-                <a:ext uri="{FF2B5EF4-FFF2-40B4-BE49-F238E27FC236}">
-                  <a16:creationId xmlns:a16="http://schemas.microsoft.com/office/drawing/2014/main" id="{14724103-793E-4C4A-3092-33C1B38FA0B9}"/>
-                </a:ext>
-              </a:extLst>
-            </p:cNvPr>
-            <p:cNvCxnSpPr>
-              <a:cxnSpLocks/>
-            </p:cNvCxnSpPr>
-            <p:nvPr/>
-          </p:nvCxnSpPr>
-          <p:spPr>
-            <a:xfrm>
-              <a:off x="3269555" y="3362923"/>
-              <a:ext cx="490412" cy="0"/>
-            </a:xfrm>
-            <a:prstGeom prst="line">
-              <a:avLst/>
-            </a:prstGeom>
-            <a:ln w="28575">
-              <a:solidFill>
-                <a:schemeClr val="accent1">
-                  <a:lumMod val="75000"/>
-                </a:schemeClr>
-              </a:solidFill>
-              <a:tailEnd type="none" w="lg" len="lg"/>
-            </a:ln>
-          </p:spPr>
-          <p:style>
-            <a:lnRef idx="1">
-              <a:schemeClr val="dk1"/>
-            </a:lnRef>
-            <a:fillRef idx="0">
-              <a:schemeClr val="dk1"/>
-            </a:fillRef>
-            <a:effectRef idx="0">
-              <a:schemeClr val="dk1"/>
-            </a:effectRef>
-            <a:fontRef idx="minor">
-              <a:schemeClr val="tx1"/>
-            </a:fontRef>
-          </p:style>
-        </p:cxnSp>
-        <p:cxnSp>
-          <p:nvCxnSpPr>
-            <p:cNvPr id="36" name="直接连接符 35">
-              <a:extLst>
-                <a:ext uri="{FF2B5EF4-FFF2-40B4-BE49-F238E27FC236}">
-                  <a16:creationId xmlns:a16="http://schemas.microsoft.com/office/drawing/2014/main" id="{D4DC8E1E-C633-4E69-A120-449D4DFA069B}"/>
-                </a:ext>
-              </a:extLst>
-            </p:cNvPr>
-            <p:cNvCxnSpPr>
-              <a:cxnSpLocks/>
-            </p:cNvCxnSpPr>
-            <p:nvPr/>
-          </p:nvCxnSpPr>
-          <p:spPr>
-            <a:xfrm>
-              <a:off x="3269555" y="3010868"/>
-              <a:ext cx="490412" cy="0"/>
-            </a:xfrm>
-            <a:prstGeom prst="line">
-              <a:avLst/>
-            </a:prstGeom>
-            <a:ln w="28575">
-              <a:solidFill>
-                <a:schemeClr val="accent1">
-                  <a:lumMod val="75000"/>
-                </a:schemeClr>
-              </a:solidFill>
-              <a:tailEnd type="none" w="lg" len="lg"/>
-            </a:ln>
-          </p:spPr>
-          <p:style>
-            <a:lnRef idx="1">
-              <a:schemeClr val="dk1"/>
-            </a:lnRef>
-            <a:fillRef idx="0">
-              <a:schemeClr val="dk1"/>
-            </a:fillRef>
-            <a:effectRef idx="0">
-              <a:schemeClr val="dk1"/>
-            </a:effectRef>
-            <a:fontRef idx="minor">
-              <a:schemeClr val="tx1"/>
-            </a:fontRef>
-          </p:style>
-        </p:cxnSp>
-        <p:cxnSp>
-          <p:nvCxnSpPr>
-            <p:cNvPr id="16" name="直接连接符 15">
-              <a:extLst>
-                <a:ext uri="{FF2B5EF4-FFF2-40B4-BE49-F238E27FC236}">
-                  <a16:creationId xmlns:a16="http://schemas.microsoft.com/office/drawing/2014/main" id="{2445EEA7-085E-BF91-F2D9-4CA1B9A0C2FA}"/>
-                </a:ext>
-              </a:extLst>
-            </p:cNvPr>
-            <p:cNvCxnSpPr>
-              <a:cxnSpLocks/>
-            </p:cNvCxnSpPr>
-            <p:nvPr/>
-          </p:nvCxnSpPr>
-          <p:spPr>
-            <a:xfrm>
-              <a:off x="6609080" y="2369820"/>
-              <a:ext cx="490412" cy="0"/>
-            </a:xfrm>
-            <a:prstGeom prst="line">
-              <a:avLst/>
-            </a:prstGeom>
-            <a:ln w="57150" cap="sq">
-              <a:solidFill>
-                <a:schemeClr val="accent1">
-                  <a:lumMod val="40000"/>
-                  <a:lumOff val="60000"/>
-                </a:schemeClr>
-              </a:solidFill>
-              <a:tailEnd type="none" w="sm" len="sm"/>
-            </a:ln>
-          </p:spPr>
-          <p:style>
-            <a:lnRef idx="1">
-              <a:schemeClr val="dk1"/>
-            </a:lnRef>
-            <a:fillRef idx="0">
-              <a:schemeClr val="dk1"/>
-            </a:fillRef>
-            <a:effectRef idx="0">
-              <a:schemeClr val="dk1"/>
-            </a:effectRef>
-            <a:fontRef idx="minor">
-              <a:schemeClr val="tx1"/>
-            </a:fontRef>
-          </p:style>
-        </p:cxnSp>
-        <p:cxnSp>
-          <p:nvCxnSpPr>
-            <p:cNvPr id="18" name="直接连接符 17">
-              <a:extLst>
-                <a:ext uri="{FF2B5EF4-FFF2-40B4-BE49-F238E27FC236}">
-                  <a16:creationId xmlns:a16="http://schemas.microsoft.com/office/drawing/2014/main" id="{F2C94634-AA9F-5126-6A29-057695103E67}"/>
-                </a:ext>
-              </a:extLst>
-            </p:cNvPr>
-            <p:cNvCxnSpPr>
-              <a:cxnSpLocks/>
-            </p:cNvCxnSpPr>
-            <p:nvPr/>
-          </p:nvCxnSpPr>
-          <p:spPr>
-            <a:xfrm>
-              <a:off x="6609080" y="2695155"/>
-              <a:ext cx="490412" cy="0"/>
-            </a:xfrm>
-            <a:prstGeom prst="line">
-              <a:avLst/>
-            </a:prstGeom>
-            <a:ln w="28575" cap="sq">
-              <a:solidFill>
-                <a:schemeClr val="accent1">
-                  <a:lumMod val="75000"/>
-                </a:schemeClr>
-              </a:solidFill>
-              <a:tailEnd type="none" w="lg" len="lg"/>
-            </a:ln>
-          </p:spPr>
-          <p:style>
-            <a:lnRef idx="1">
-              <a:schemeClr val="dk1"/>
-            </a:lnRef>
-            <a:fillRef idx="0">
-              <a:schemeClr val="dk1"/>
-            </a:fillRef>
-            <a:effectRef idx="0">
-              <a:schemeClr val="dk1"/>
-            </a:effectRef>
-            <a:fontRef idx="minor">
-              <a:schemeClr val="tx1"/>
-            </a:fontRef>
-          </p:style>
-        </p:cxnSp>
-        <p:cxnSp>
-          <p:nvCxnSpPr>
-            <p:cNvPr id="20" name="直接连接符 19">
-              <a:extLst>
-                <a:ext uri="{FF2B5EF4-FFF2-40B4-BE49-F238E27FC236}">
-                  <a16:creationId xmlns:a16="http://schemas.microsoft.com/office/drawing/2014/main" id="{68804D06-319E-CCF1-417B-6F301C90D4EE}"/>
-                </a:ext>
-              </a:extLst>
-            </p:cNvPr>
-            <p:cNvCxnSpPr>
-              <a:cxnSpLocks/>
-            </p:cNvCxnSpPr>
-            <p:nvPr/>
-          </p:nvCxnSpPr>
-          <p:spPr>
-            <a:xfrm>
-              <a:off x="6609080" y="3028434"/>
-              <a:ext cx="490412" cy="0"/>
-            </a:xfrm>
-            <a:prstGeom prst="line">
-              <a:avLst/>
-            </a:prstGeom>
-            <a:ln w="28575" cap="sq">
-              <a:solidFill>
-                <a:schemeClr val="accent1">
-                  <a:lumMod val="75000"/>
-                </a:schemeClr>
-              </a:solidFill>
-              <a:tailEnd type="none" w="lg" len="lg"/>
-            </a:ln>
-          </p:spPr>
-          <p:style>
-            <a:lnRef idx="1">
-              <a:schemeClr val="dk1"/>
-            </a:lnRef>
-            <a:fillRef idx="0">
-              <a:schemeClr val="dk1"/>
-            </a:fillRef>
-            <a:effectRef idx="0">
-              <a:schemeClr val="dk1"/>
-            </a:effectRef>
-            <a:fontRef idx="minor">
-              <a:schemeClr val="tx1"/>
-            </a:fontRef>
-          </p:style>
-        </p:cxnSp>
-        <p:cxnSp>
-          <p:nvCxnSpPr>
-            <p:cNvPr id="22" name="直接连接符 21">
-              <a:extLst>
-                <a:ext uri="{FF2B5EF4-FFF2-40B4-BE49-F238E27FC236}">
-                  <a16:creationId xmlns:a16="http://schemas.microsoft.com/office/drawing/2014/main" id="{49CB4957-DB9A-0AC2-C438-2822E5B78AFB}"/>
-                </a:ext>
-              </a:extLst>
-            </p:cNvPr>
-            <p:cNvCxnSpPr>
-              <a:cxnSpLocks/>
-            </p:cNvCxnSpPr>
-            <p:nvPr/>
-          </p:nvCxnSpPr>
-          <p:spPr>
-            <a:xfrm>
-              <a:off x="6609080" y="3362923"/>
-              <a:ext cx="490412" cy="0"/>
-            </a:xfrm>
-            <a:prstGeom prst="line">
-              <a:avLst/>
-            </a:prstGeom>
-            <a:ln w="28575" cap="sq">
-              <a:solidFill>
-                <a:schemeClr val="accent1">
-                  <a:lumMod val="75000"/>
-                </a:schemeClr>
-              </a:solidFill>
-              <a:tailEnd type="none" w="lg" len="lg"/>
-            </a:ln>
-          </p:spPr>
-          <p:style>
-            <a:lnRef idx="1">
-              <a:schemeClr val="dk1"/>
-            </a:lnRef>
-            <a:fillRef idx="0">
-              <a:schemeClr val="dk1"/>
-            </a:fillRef>
-            <a:effectRef idx="0">
-              <a:schemeClr val="dk1"/>
-            </a:effectRef>
-            <a:fontRef idx="minor">
-              <a:schemeClr val="tx1"/>
-            </a:fontRef>
-          </p:style>
-        </p:cxnSp>
-        <p:cxnSp>
-          <p:nvCxnSpPr>
-            <p:cNvPr id="24" name="直接连接符 23">
-              <a:extLst>
-                <a:ext uri="{FF2B5EF4-FFF2-40B4-BE49-F238E27FC236}">
-                  <a16:creationId xmlns:a16="http://schemas.microsoft.com/office/drawing/2014/main" id="{682847CC-3392-5133-C9B4-F870A31139FA}"/>
-                </a:ext>
-              </a:extLst>
-            </p:cNvPr>
-            <p:cNvCxnSpPr>
-              <a:cxnSpLocks/>
-            </p:cNvCxnSpPr>
-            <p:nvPr/>
-          </p:nvCxnSpPr>
-          <p:spPr>
-            <a:xfrm>
-              <a:off x="6609080" y="3686011"/>
-              <a:ext cx="490412" cy="0"/>
-            </a:xfrm>
-            <a:prstGeom prst="line">
-              <a:avLst/>
-            </a:prstGeom>
-            <a:ln w="28575" cap="sq">
-              <a:solidFill>
-                <a:schemeClr val="accent1">
-                  <a:lumMod val="75000"/>
-                </a:schemeClr>
-              </a:solidFill>
-              <a:tailEnd type="none" w="lg" len="lg"/>
-            </a:ln>
-          </p:spPr>
-          <p:style>
-            <a:lnRef idx="1">
-              <a:schemeClr val="dk1"/>
-            </a:lnRef>
-            <a:fillRef idx="0">
-              <a:schemeClr val="dk1"/>
-            </a:fillRef>
-            <a:effectRef idx="0">
-              <a:schemeClr val="dk1"/>
-            </a:effectRef>
-            <a:fontRef idx="minor">
-              <a:schemeClr val="tx1"/>
-            </a:fontRef>
-          </p:style>
-        </p:cxnSp>
-        <p:cxnSp>
-          <p:nvCxnSpPr>
-            <p:cNvPr id="26" name="直接连接符 25">
-              <a:extLst>
-                <a:ext uri="{FF2B5EF4-FFF2-40B4-BE49-F238E27FC236}">
-                  <a16:creationId xmlns:a16="http://schemas.microsoft.com/office/drawing/2014/main" id="{F393F6A8-A1F6-BC0C-1C26-9740AED421C5}"/>
-                </a:ext>
-              </a:extLst>
-            </p:cNvPr>
-            <p:cNvCxnSpPr>
-              <a:cxnSpLocks/>
-            </p:cNvCxnSpPr>
-            <p:nvPr/>
-          </p:nvCxnSpPr>
-          <p:spPr>
-            <a:xfrm>
-              <a:off x="6609080" y="4009099"/>
-              <a:ext cx="490412" cy="0"/>
-            </a:xfrm>
-            <a:prstGeom prst="line">
-              <a:avLst/>
-            </a:prstGeom>
-            <a:ln w="57150" cap="sq">
-              <a:solidFill>
-                <a:schemeClr val="accent1">
-                  <a:lumMod val="75000"/>
-                </a:schemeClr>
-              </a:solidFill>
-              <a:tailEnd type="none" w="sm" len="sm"/>
-            </a:ln>
-          </p:spPr>
-          <p:style>
-            <a:lnRef idx="1">
-              <a:schemeClr val="dk1"/>
-            </a:lnRef>
-            <a:fillRef idx="0">
-              <a:schemeClr val="dk1"/>
-            </a:fillRef>
-            <a:effectRef idx="0">
-              <a:schemeClr val="dk1"/>
-            </a:effectRef>
-            <a:fontRef idx="minor">
-              <a:schemeClr val="tx1"/>
-            </a:fontRef>
-          </p:style>
-        </p:cxnSp>
-        <p:cxnSp>
-          <p:nvCxnSpPr>
-            <p:cNvPr id="9" name="直接连接符 8">
-              <a:extLst>
-                <a:ext uri="{FF2B5EF4-FFF2-40B4-BE49-F238E27FC236}">
-                  <a16:creationId xmlns:a16="http://schemas.microsoft.com/office/drawing/2014/main" id="{2467B334-F36C-3E57-CD6D-1615C164BA61}"/>
-                </a:ext>
-              </a:extLst>
-            </p:cNvPr>
-            <p:cNvCxnSpPr>
-              <a:cxnSpLocks/>
-            </p:cNvCxnSpPr>
-            <p:nvPr/>
-          </p:nvCxnSpPr>
-          <p:spPr>
-            <a:xfrm>
-              <a:off x="3269555" y="2338623"/>
-              <a:ext cx="429452" cy="0"/>
-            </a:xfrm>
-            <a:prstGeom prst="line">
-              <a:avLst/>
-            </a:prstGeom>
-            <a:ln w="28575">
-              <a:solidFill>
-                <a:schemeClr val="accent1">
-                  <a:lumMod val="40000"/>
-                  <a:lumOff val="60000"/>
-                </a:schemeClr>
-              </a:solidFill>
-              <a:tailEnd type="none" w="lg" len="lg"/>
-            </a:ln>
-          </p:spPr>
-          <p:style>
-            <a:lnRef idx="1">
-              <a:schemeClr val="dk1"/>
-            </a:lnRef>
-            <a:fillRef idx="0">
-              <a:schemeClr val="dk1"/>
-            </a:fillRef>
-            <a:effectRef idx="0">
-              <a:schemeClr val="dk1"/>
-            </a:effectRef>
-            <a:fontRef idx="minor">
-              <a:schemeClr val="tx1"/>
-            </a:fontRef>
-          </p:style>
-        </p:cxnSp>
-        <p:cxnSp>
-          <p:nvCxnSpPr>
-            <p:cNvPr id="11" name="直接连接符 10">
-              <a:extLst>
-                <a:ext uri="{FF2B5EF4-FFF2-40B4-BE49-F238E27FC236}">
-                  <a16:creationId xmlns:a16="http://schemas.microsoft.com/office/drawing/2014/main" id="{82A21DD9-5F37-C861-83F7-3D74F275866A}"/>
-                </a:ext>
-              </a:extLst>
-            </p:cNvPr>
-            <p:cNvCxnSpPr>
-              <a:cxnSpLocks/>
-            </p:cNvCxnSpPr>
-            <p:nvPr/>
-          </p:nvCxnSpPr>
-          <p:spPr>
-            <a:xfrm>
-              <a:off x="3269555" y="2664674"/>
-              <a:ext cx="490412" cy="0"/>
-            </a:xfrm>
-            <a:prstGeom prst="line">
-              <a:avLst/>
-            </a:prstGeom>
-            <a:ln w="28575">
-              <a:solidFill>
-                <a:schemeClr val="accent1">
-                  <a:lumMod val="40000"/>
-                  <a:lumOff val="60000"/>
-                </a:schemeClr>
-              </a:solidFill>
-              <a:tailEnd type="none" w="lg" len="lg"/>
-            </a:ln>
-          </p:spPr>
-          <p:style>
-            <a:lnRef idx="1">
-              <a:schemeClr val="dk1"/>
-            </a:lnRef>
-            <a:fillRef idx="0">
-              <a:schemeClr val="dk1"/>
-            </a:fillRef>
-            <a:effectRef idx="0">
-              <a:schemeClr val="dk1"/>
-            </a:effectRef>
-            <a:fontRef idx="minor">
-              <a:schemeClr val="tx1"/>
-            </a:fontRef>
-          </p:style>
-        </p:cxnSp>
-        <p:sp>
-          <p:nvSpPr>
-            <p:cNvPr id="4" name="矩形: 圆角 3">
-              <a:extLst>
-                <a:ext uri="{FF2B5EF4-FFF2-40B4-BE49-F238E27FC236}">
-                  <a16:creationId xmlns:a16="http://schemas.microsoft.com/office/drawing/2014/main" id="{416E8F2A-1FE9-E56B-514B-EA0092564FE2}"/>
-                </a:ext>
-              </a:extLst>
-            </p:cNvPr>
-            <p:cNvSpPr/>
-            <p:nvPr/>
-          </p:nvSpPr>
-          <p:spPr>
-            <a:xfrm>
-              <a:off x="3571623" y="1981200"/>
-              <a:ext cx="3205097" cy="2369819"/>
-            </a:xfrm>
-            <a:prstGeom prst="roundRect">
-              <a:avLst>
-                <a:gd name="adj" fmla="val 8991"/>
-              </a:avLst>
-            </a:prstGeom>
-            <a:solidFill>
-              <a:schemeClr val="accent1">
-                <a:lumMod val="20000"/>
-                <a:lumOff val="80000"/>
-              </a:schemeClr>
-            </a:solidFill>
-            <a:ln w="19050">
-              <a:solidFill>
-                <a:schemeClr val="accent1">
-                  <a:lumMod val="75000"/>
-                </a:schemeClr>
-              </a:solidFill>
-              <a:extLst>
-                <a:ext uri="{C807C97D-BFC1-408E-A445-0C87EB9F89A2}">
-                  <ask:lineSketchStyleProps xmlns:ask="http://schemas.microsoft.com/office/drawing/2018/sketchyshapes" sd="1219033472">
-                    <a:custGeom>
-                      <a:avLst/>
-                      <a:gdLst>
-                        <a:gd name="connsiteX0" fmla="*/ 0 w 2389517"/>
-                        <a:gd name="connsiteY0" fmla="*/ 284114 h 2708695"/>
-                        <a:gd name="connsiteX1" fmla="*/ 284114 w 2389517"/>
-                        <a:gd name="connsiteY1" fmla="*/ 0 h 2708695"/>
-                        <a:gd name="connsiteX2" fmla="*/ 757649 w 2389517"/>
-                        <a:gd name="connsiteY2" fmla="*/ 0 h 2708695"/>
-                        <a:gd name="connsiteX3" fmla="*/ 1158333 w 2389517"/>
-                        <a:gd name="connsiteY3" fmla="*/ 0 h 2708695"/>
-                        <a:gd name="connsiteX4" fmla="*/ 1613655 w 2389517"/>
-                        <a:gd name="connsiteY4" fmla="*/ 0 h 2708695"/>
-                        <a:gd name="connsiteX5" fmla="*/ 2105403 w 2389517"/>
-                        <a:gd name="connsiteY5" fmla="*/ 0 h 2708695"/>
-                        <a:gd name="connsiteX6" fmla="*/ 2389517 w 2389517"/>
-                        <a:gd name="connsiteY6" fmla="*/ 284114 h 2708695"/>
-                        <a:gd name="connsiteX7" fmla="*/ 2389517 w 2389517"/>
-                        <a:gd name="connsiteY7" fmla="*/ 797826 h 2708695"/>
-                        <a:gd name="connsiteX8" fmla="*/ 2389517 w 2389517"/>
-                        <a:gd name="connsiteY8" fmla="*/ 1268729 h 2708695"/>
-                        <a:gd name="connsiteX9" fmla="*/ 2389517 w 2389517"/>
-                        <a:gd name="connsiteY9" fmla="*/ 1825250 h 2708695"/>
-                        <a:gd name="connsiteX10" fmla="*/ 2389517 w 2389517"/>
-                        <a:gd name="connsiteY10" fmla="*/ 2424581 h 2708695"/>
-                        <a:gd name="connsiteX11" fmla="*/ 2105403 w 2389517"/>
-                        <a:gd name="connsiteY11" fmla="*/ 2708695 h 2708695"/>
-                        <a:gd name="connsiteX12" fmla="*/ 1613655 w 2389517"/>
-                        <a:gd name="connsiteY12" fmla="*/ 2708695 h 2708695"/>
-                        <a:gd name="connsiteX13" fmla="*/ 1194759 w 2389517"/>
-                        <a:gd name="connsiteY13" fmla="*/ 2708695 h 2708695"/>
-                        <a:gd name="connsiteX14" fmla="*/ 794075 w 2389517"/>
-                        <a:gd name="connsiteY14" fmla="*/ 2708695 h 2708695"/>
-                        <a:gd name="connsiteX15" fmla="*/ 284114 w 2389517"/>
-                        <a:gd name="connsiteY15" fmla="*/ 2708695 h 2708695"/>
-                        <a:gd name="connsiteX16" fmla="*/ 0 w 2389517"/>
-                        <a:gd name="connsiteY16" fmla="*/ 2424581 h 2708695"/>
-                        <a:gd name="connsiteX17" fmla="*/ 0 w 2389517"/>
-                        <a:gd name="connsiteY17" fmla="*/ 1953678 h 2708695"/>
-                        <a:gd name="connsiteX18" fmla="*/ 0 w 2389517"/>
-                        <a:gd name="connsiteY18" fmla="*/ 1375752 h 2708695"/>
-                        <a:gd name="connsiteX19" fmla="*/ 0 w 2389517"/>
-                        <a:gd name="connsiteY19" fmla="*/ 840635 h 2708695"/>
-                        <a:gd name="connsiteX20" fmla="*/ 0 w 2389517"/>
-                        <a:gd name="connsiteY20" fmla="*/ 284114 h 2708695"/>
-                      </a:gdLst>
-                      <a:ahLst/>
-                      <a:cxnLst>
-                        <a:cxn ang="0">
-                          <a:pos x="connsiteX0" y="connsiteY0"/>
-                        </a:cxn>
-                        <a:cxn ang="0">
-                          <a:pos x="connsiteX1" y="connsiteY1"/>
-                        </a:cxn>
-                        <a:cxn ang="0">
-                          <a:pos x="connsiteX2" y="connsiteY2"/>
-                        </a:cxn>
-                        <a:cxn ang="0">
-                          <a:pos x="connsiteX3" y="connsiteY3"/>
-                        </a:cxn>
-                        <a:cxn ang="0">
-                          <a:pos x="connsiteX4" y="connsiteY4"/>
-                        </a:cxn>
-                        <a:cxn ang="0">
-                          <a:pos x="connsiteX5" y="connsiteY5"/>
-                        </a:cxn>
-                        <a:cxn ang="0">
-                          <a:pos x="connsiteX6" y="connsiteY6"/>
-                        </a:cxn>
-                        <a:cxn ang="0">
-                          <a:pos x="connsiteX7" y="connsiteY7"/>
-                        </a:cxn>
-                        <a:cxn ang="0">
-                          <a:pos x="connsiteX8" y="connsiteY8"/>
-                        </a:cxn>
-                        <a:cxn ang="0">
-                          <a:pos x="connsiteX9" y="connsiteY9"/>
-                        </a:cxn>
-                        <a:cxn ang="0">
-                          <a:pos x="connsiteX10" y="connsiteY10"/>
-                        </a:cxn>
-                        <a:cxn ang="0">
-                          <a:pos x="connsiteX11" y="connsiteY11"/>
-                        </a:cxn>
-                        <a:cxn ang="0">
-                          <a:pos x="connsiteX12" y="connsiteY12"/>
-                        </a:cxn>
-                        <a:cxn ang="0">
-                          <a:pos x="connsiteX13" y="connsiteY13"/>
-                        </a:cxn>
-                        <a:cxn ang="0">
-                          <a:pos x="connsiteX14" y="connsiteY14"/>
-                        </a:cxn>
-                        <a:cxn ang="0">
-                          <a:pos x="connsiteX15" y="connsiteY15"/>
-                        </a:cxn>
-                        <a:cxn ang="0">
-                          <a:pos x="connsiteX16" y="connsiteY16"/>
-                        </a:cxn>
-                        <a:cxn ang="0">
-                          <a:pos x="connsiteX17" y="connsiteY17"/>
-                        </a:cxn>
-                        <a:cxn ang="0">
-                          <a:pos x="connsiteX18" y="connsiteY18"/>
-                        </a:cxn>
-                        <a:cxn ang="0">
-                          <a:pos x="connsiteX19" y="connsiteY19"/>
-                        </a:cxn>
-                        <a:cxn ang="0">
-                          <a:pos x="connsiteX20" y="connsiteY20"/>
-                        </a:cxn>
-                      </a:cxnLst>
-                      <a:rect l="l" t="t" r="r" b="b"/>
-                      <a:pathLst>
-                        <a:path w="2389517" h="2708695" fill="none" extrusionOk="0">
-                          <a:moveTo>
-                            <a:pt x="0" y="284114"/>
-                          </a:moveTo>
-                          <a:cubicBezTo>
-                            <a:pt x="20152" y="167104"/>
-                            <a:pt x="89690" y="19782"/>
-                            <a:pt x="284114" y="0"/>
-                          </a:cubicBezTo>
-                          <a:cubicBezTo>
-                            <a:pt x="508839" y="-44945"/>
-                            <a:pt x="523309" y="10984"/>
-                            <a:pt x="757649" y="0"/>
-                          </a:cubicBezTo>
-                          <a:cubicBezTo>
-                            <a:pt x="991990" y="-10984"/>
-                            <a:pt x="1056098" y="28948"/>
-                            <a:pt x="1158333" y="0"/>
-                          </a:cubicBezTo>
-                          <a:cubicBezTo>
-                            <a:pt x="1260568" y="-28948"/>
-                            <a:pt x="1438899" y="51688"/>
-                            <a:pt x="1613655" y="0"/>
-                          </a:cubicBezTo>
-                          <a:cubicBezTo>
-                            <a:pt x="1788411" y="-51688"/>
-                            <a:pt x="1877227" y="17094"/>
-                            <a:pt x="2105403" y="0"/>
-                          </a:cubicBezTo>
-                          <a:cubicBezTo>
-                            <a:pt x="2260908" y="-29196"/>
-                            <a:pt x="2397459" y="132206"/>
-                            <a:pt x="2389517" y="284114"/>
-                          </a:cubicBezTo>
-                          <a:cubicBezTo>
-                            <a:pt x="2407432" y="499972"/>
-                            <a:pt x="2388938" y="599729"/>
-                            <a:pt x="2389517" y="797826"/>
-                          </a:cubicBezTo>
-                          <a:cubicBezTo>
-                            <a:pt x="2390096" y="995923"/>
-                            <a:pt x="2382592" y="1150250"/>
-                            <a:pt x="2389517" y="1268729"/>
-                          </a:cubicBezTo>
-                          <a:cubicBezTo>
-                            <a:pt x="2396442" y="1387208"/>
-                            <a:pt x="2342096" y="1674607"/>
-                            <a:pt x="2389517" y="1825250"/>
-                          </a:cubicBezTo>
-                          <a:cubicBezTo>
-                            <a:pt x="2436938" y="1975893"/>
-                            <a:pt x="2365384" y="2157576"/>
-                            <a:pt x="2389517" y="2424581"/>
-                          </a:cubicBezTo>
-                          <a:cubicBezTo>
-                            <a:pt x="2371060" y="2591842"/>
-                            <a:pt x="2267589" y="2722985"/>
-                            <a:pt x="2105403" y="2708695"/>
-                          </a:cubicBezTo>
-                          <a:cubicBezTo>
-                            <a:pt x="1958709" y="2747849"/>
-                            <a:pt x="1816107" y="2689110"/>
-                            <a:pt x="1613655" y="2708695"/>
-                          </a:cubicBezTo>
-                          <a:cubicBezTo>
-                            <a:pt x="1411203" y="2728280"/>
-                            <a:pt x="1402919" y="2683757"/>
-                            <a:pt x="1194759" y="2708695"/>
-                          </a:cubicBezTo>
-                          <a:cubicBezTo>
-                            <a:pt x="986599" y="2733633"/>
-                            <a:pt x="960068" y="2682556"/>
-                            <a:pt x="794075" y="2708695"/>
-                          </a:cubicBezTo>
-                          <a:cubicBezTo>
-                            <a:pt x="628082" y="2734834"/>
-                            <a:pt x="389051" y="2705336"/>
-                            <a:pt x="284114" y="2708695"/>
-                          </a:cubicBezTo>
-                          <a:cubicBezTo>
-                            <a:pt x="130449" y="2716631"/>
-                            <a:pt x="6135" y="2587562"/>
-                            <a:pt x="0" y="2424581"/>
-                          </a:cubicBezTo>
-                          <a:cubicBezTo>
-                            <a:pt x="-42716" y="2262982"/>
-                            <a:pt x="51068" y="2153219"/>
-                            <a:pt x="0" y="1953678"/>
-                          </a:cubicBezTo>
-                          <a:cubicBezTo>
-                            <a:pt x="-51068" y="1754137"/>
-                            <a:pt x="32562" y="1548422"/>
-                            <a:pt x="0" y="1375752"/>
-                          </a:cubicBezTo>
-                          <a:cubicBezTo>
-                            <a:pt x="-32562" y="1203082"/>
-                            <a:pt x="39608" y="1065319"/>
-                            <a:pt x="0" y="840635"/>
-                          </a:cubicBezTo>
-                          <a:cubicBezTo>
-                            <a:pt x="-39608" y="615951"/>
-                            <a:pt x="11903" y="522397"/>
-                            <a:pt x="0" y="284114"/>
-                          </a:cubicBezTo>
-                          <a:close/>
-                        </a:path>
-                        <a:path w="2389517" h="2708695" stroke="0" extrusionOk="0">
-                          <a:moveTo>
-                            <a:pt x="0" y="284114"/>
-                          </a:moveTo>
-                          <a:cubicBezTo>
-                            <a:pt x="-16490" y="117031"/>
-                            <a:pt x="122433" y="1790"/>
-                            <a:pt x="284114" y="0"/>
-                          </a:cubicBezTo>
-                          <a:cubicBezTo>
-                            <a:pt x="508269" y="-2869"/>
-                            <a:pt x="639708" y="11668"/>
-                            <a:pt x="775862" y="0"/>
-                          </a:cubicBezTo>
-                          <a:cubicBezTo>
-                            <a:pt x="912016" y="-11668"/>
-                            <a:pt x="1034478" y="38702"/>
-                            <a:pt x="1212971" y="0"/>
-                          </a:cubicBezTo>
-                          <a:cubicBezTo>
-                            <a:pt x="1391464" y="-38702"/>
-                            <a:pt x="1430274" y="48278"/>
-                            <a:pt x="1631868" y="0"/>
-                          </a:cubicBezTo>
-                          <a:cubicBezTo>
-                            <a:pt x="1833462" y="-48278"/>
-                            <a:pt x="1928346" y="27055"/>
-                            <a:pt x="2105403" y="0"/>
-                          </a:cubicBezTo>
-                          <a:cubicBezTo>
-                            <a:pt x="2274518" y="-25114"/>
-                            <a:pt x="2375723" y="125090"/>
-                            <a:pt x="2389517" y="284114"/>
-                          </a:cubicBezTo>
-                          <a:cubicBezTo>
-                            <a:pt x="2421674" y="510113"/>
-                            <a:pt x="2329152" y="585528"/>
-                            <a:pt x="2389517" y="819231"/>
-                          </a:cubicBezTo>
-                          <a:cubicBezTo>
-                            <a:pt x="2449882" y="1052934"/>
-                            <a:pt x="2379062" y="1223865"/>
-                            <a:pt x="2389517" y="1397157"/>
-                          </a:cubicBezTo>
-                          <a:cubicBezTo>
-                            <a:pt x="2399972" y="1570449"/>
-                            <a:pt x="2343548" y="1693289"/>
-                            <a:pt x="2389517" y="1868060"/>
-                          </a:cubicBezTo>
-                          <a:cubicBezTo>
-                            <a:pt x="2435486" y="2042831"/>
-                            <a:pt x="2338358" y="2226730"/>
-                            <a:pt x="2389517" y="2424581"/>
-                          </a:cubicBezTo>
-                          <a:cubicBezTo>
-                            <a:pt x="2403970" y="2603007"/>
-                            <a:pt x="2265201" y="2738586"/>
-                            <a:pt x="2105403" y="2708695"/>
-                          </a:cubicBezTo>
-                          <a:cubicBezTo>
-                            <a:pt x="1914308" y="2739643"/>
-                            <a:pt x="1893072" y="2660838"/>
-                            <a:pt x="1704719" y="2708695"/>
-                          </a:cubicBezTo>
-                          <a:cubicBezTo>
-                            <a:pt x="1516366" y="2756552"/>
-                            <a:pt x="1396670" y="2695466"/>
-                            <a:pt x="1212971" y="2708695"/>
-                          </a:cubicBezTo>
-                          <a:cubicBezTo>
-                            <a:pt x="1029272" y="2721924"/>
-                            <a:pt x="983405" y="2662711"/>
-                            <a:pt x="794075" y="2708695"/>
-                          </a:cubicBezTo>
-                          <a:cubicBezTo>
-                            <a:pt x="604745" y="2754679"/>
-                            <a:pt x="480813" y="2674815"/>
-                            <a:pt x="284114" y="2708695"/>
-                          </a:cubicBezTo>
-                          <a:cubicBezTo>
-                            <a:pt x="124750" y="2703697"/>
-                            <a:pt x="2378" y="2549328"/>
-                            <a:pt x="0" y="2424581"/>
-                          </a:cubicBezTo>
-                          <a:cubicBezTo>
-                            <a:pt x="-25589" y="2164534"/>
-                            <a:pt x="20239" y="1994383"/>
-                            <a:pt x="0" y="1868060"/>
-                          </a:cubicBezTo>
-                          <a:cubicBezTo>
-                            <a:pt x="-20239" y="1741737"/>
-                            <a:pt x="34831" y="1548909"/>
-                            <a:pt x="0" y="1375752"/>
-                          </a:cubicBezTo>
-                          <a:cubicBezTo>
-                            <a:pt x="-34831" y="1202595"/>
-                            <a:pt x="52070" y="1059758"/>
-                            <a:pt x="0" y="797826"/>
-                          </a:cubicBezTo>
-                          <a:cubicBezTo>
-                            <a:pt x="-52070" y="535894"/>
-                            <a:pt x="12683" y="449207"/>
-                            <a:pt x="0" y="284114"/>
-                          </a:cubicBezTo>
-                          <a:close/>
-                        </a:path>
-                      </a:pathLst>
-                    </a:custGeom>
-                    <ask:type>
-                      <ask:lineSketchNone/>
-                    </ask:type>
-                  </ask:lineSketchStyleProps>
-                </a:ext>
-              </a:extLst>
-            </a:ln>
-          </p:spPr>
-          <p:style>
-            <a:lnRef idx="2">
-              <a:schemeClr val="accent1">
-                <a:shade val="50000"/>
-              </a:schemeClr>
-            </a:lnRef>
-            <a:fillRef idx="1">
-              <a:schemeClr val="accent1"/>
-            </a:fillRef>
-            <a:effectRef idx="0">
-              <a:schemeClr val="accent1"/>
-            </a:effectRef>
-            <a:fontRef idx="minor">
-              <a:schemeClr val="lt1"/>
-            </a:fontRef>
-          </p:style>
-          <p:txBody>
-            <a:bodyPr rtlCol="0" anchor="ctr"/>
-            <a:lstStyle/>
-            <a:p>
-              <a:pPr algn="ctr"/>
-              <a:endParaRPr lang="zh-CN" altLang="en-US"/>
-            </a:p>
-          </p:txBody>
-        </p:sp>
-        <p:sp>
-          <p:nvSpPr>
-            <p:cNvPr id="17" name="文本框 16">
-              <a:extLst>
-                <a:ext uri="{FF2B5EF4-FFF2-40B4-BE49-F238E27FC236}">
-                  <a16:creationId xmlns:a16="http://schemas.microsoft.com/office/drawing/2014/main" id="{7E6EED92-359C-50E7-8941-3058797C7E43}"/>
-                </a:ext>
-              </a:extLst>
-            </p:cNvPr>
-            <p:cNvSpPr txBox="1"/>
-            <p:nvPr/>
-          </p:nvSpPr>
-          <p:spPr>
-            <a:xfrm>
-              <a:off x="5027763" y="2101490"/>
-              <a:ext cx="1726755" cy="2129237"/>
-            </a:xfrm>
-            <a:prstGeom prst="rect">
-              <a:avLst/>
-            </a:prstGeom>
-            <a:noFill/>
-          </p:spPr>
-          <p:txBody>
-            <a:bodyPr wrap="none" rtlCol="0">
-              <a:spAutoFit/>
-            </a:bodyPr>
-            <a:lstStyle>
-              <a:defPPr>
-                <a:defRPr lang="zh-CN"/>
-              </a:defPPr>
-              <a:lvl1pPr>
-                <a:defRPr b="1">
-                  <a:solidFill>
-                    <a:schemeClr val="bg2">
-                      <a:lumMod val="50000"/>
-                    </a:schemeClr>
-                  </a:solidFill>
-                </a:defRPr>
-              </a:lvl1pPr>
-            </a:lstStyle>
-            <a:p>
-              <a:pPr algn="r">
-                <a:lnSpc>
-                  <a:spcPct val="140000"/>
-                </a:lnSpc>
-              </a:pPr>
-              <a:r>
-                <a:rPr lang="en-US" altLang="zh-CN" sz="1600" dirty="0" err="1"/>
-                <a:t>DT_OUT</a:t>
-              </a:r>
-              <a:r>
-                <a:rPr lang="en-US" altLang="zh-CN" sz="1600" dirty="0"/>
-                <a:t>[383:0]</a:t>
-              </a:r>
-            </a:p>
-            <a:p>
-              <a:pPr algn="r">
-                <a:lnSpc>
-                  <a:spcPct val="140000"/>
-                </a:lnSpc>
-              </a:pPr>
-              <a:r>
-                <a:rPr lang="en-US" altLang="zh-CN" sz="1600" b="1" dirty="0" err="1">
-                  <a:solidFill>
-                    <a:schemeClr val="tx1"/>
-                  </a:solidFill>
-                </a:rPr>
-                <a:t>xEMPTY</a:t>
-              </a:r>
-              <a:endParaRPr lang="en-US" altLang="zh-CN" sz="1600" b="1" dirty="0">
-                <a:solidFill>
-                  <a:schemeClr val="tx1"/>
-                </a:solidFill>
-              </a:endParaRPr>
-            </a:p>
-            <a:p>
-              <a:pPr algn="r">
-                <a:lnSpc>
-                  <a:spcPct val="140000"/>
-                </a:lnSpc>
-              </a:pPr>
-              <a:r>
-                <a:rPr lang="en-US" altLang="zh-CN" sz="1600" b="1" dirty="0">
-                  <a:solidFill>
-                    <a:schemeClr val="tx1"/>
-                  </a:solidFill>
-                </a:rPr>
-                <a:t>FULL</a:t>
-              </a:r>
-            </a:p>
-            <a:p>
-              <a:pPr algn="r">
-                <a:lnSpc>
-                  <a:spcPct val="140000"/>
-                </a:lnSpc>
-              </a:pPr>
-              <a:r>
-                <a:rPr lang="en-US" altLang="zh-CN" sz="1600" b="1" dirty="0">
-                  <a:solidFill>
-                    <a:schemeClr val="tx1"/>
-                  </a:solidFill>
-                </a:rPr>
-                <a:t>ALMOST_EMPTY</a:t>
-              </a:r>
-            </a:p>
-            <a:p>
-              <a:pPr algn="r">
-                <a:lnSpc>
-                  <a:spcPct val="140000"/>
-                </a:lnSpc>
-              </a:pPr>
-              <a:r>
-                <a:rPr lang="en-US" altLang="zh-CN" sz="1600" b="1" dirty="0">
-                  <a:solidFill>
-                    <a:schemeClr val="tx1"/>
-                  </a:solidFill>
-                </a:rPr>
-                <a:t>ALMOST_FULL</a:t>
-              </a:r>
-            </a:p>
-            <a:p>
-              <a:pPr algn="r">
-                <a:lnSpc>
-                  <a:spcPct val="140000"/>
-                </a:lnSpc>
-              </a:pPr>
-              <a:r>
-                <a:rPr lang="en-US" altLang="zh-CN" sz="1600" dirty="0">
-                  <a:solidFill>
-                    <a:schemeClr val="tx1"/>
-                  </a:solidFill>
-                </a:rPr>
-                <a:t>COUNT[11:0]</a:t>
-              </a:r>
-              <a:endParaRPr lang="zh-CN" altLang="en-US" sz="1600" b="1" dirty="0">
-                <a:solidFill>
-                  <a:schemeClr val="tx1"/>
-                </a:solidFill>
-              </a:endParaRPr>
-            </a:p>
-          </p:txBody>
-        </p:sp>
-        <p:sp>
-          <p:nvSpPr>
-            <p:cNvPr id="28" name="文本框 27">
-              <a:extLst>
-                <a:ext uri="{FF2B5EF4-FFF2-40B4-BE49-F238E27FC236}">
-                  <a16:creationId xmlns:a16="http://schemas.microsoft.com/office/drawing/2014/main" id="{5545127F-C0C0-3FE6-757D-F68582FC276A}"/>
-                </a:ext>
-              </a:extLst>
-            </p:cNvPr>
-            <p:cNvSpPr txBox="1"/>
-            <p:nvPr/>
-          </p:nvSpPr>
-          <p:spPr>
-            <a:xfrm>
-              <a:off x="3668323" y="2101490"/>
-              <a:ext cx="1390124" cy="1784527"/>
-            </a:xfrm>
-            <a:prstGeom prst="rect">
-              <a:avLst/>
-            </a:prstGeom>
-            <a:noFill/>
-          </p:spPr>
-          <p:txBody>
-            <a:bodyPr wrap="none" rtlCol="0">
-              <a:spAutoFit/>
-            </a:bodyPr>
-            <a:lstStyle>
-              <a:defPPr>
-                <a:defRPr lang="zh-CN"/>
-              </a:defPPr>
-              <a:lvl1pPr>
-                <a:defRPr b="1">
-                  <a:solidFill>
-                    <a:schemeClr val="bg2">
-                      <a:lumMod val="50000"/>
-                    </a:schemeClr>
-                  </a:solidFill>
-                </a:defRPr>
-              </a:lvl1pPr>
-            </a:lstStyle>
-            <a:p>
-              <a:pPr>
-                <a:lnSpc>
-                  <a:spcPct val="140000"/>
-                </a:lnSpc>
-              </a:pPr>
-              <a:r>
-                <a:rPr lang="en-US" altLang="zh-CN" sz="1600" dirty="0"/>
-                <a:t>FIFO_VALID</a:t>
-              </a:r>
-            </a:p>
-            <a:p>
-              <a:pPr>
-                <a:lnSpc>
-                  <a:spcPct val="140000"/>
-                </a:lnSpc>
-              </a:pPr>
-              <a:r>
-                <a:rPr lang="en-US" altLang="zh-CN" sz="1600" b="1" dirty="0"/>
-                <a:t>RD_SYN</a:t>
-              </a:r>
-            </a:p>
-            <a:p>
-              <a:pPr>
-                <a:lnSpc>
-                  <a:spcPct val="140000"/>
-                </a:lnSpc>
-              </a:pPr>
-              <a:r>
-                <a:rPr lang="en-US" altLang="zh-CN" sz="1600" b="1" dirty="0">
-                  <a:solidFill>
-                    <a:schemeClr val="tx1"/>
-                  </a:solidFill>
-                </a:rPr>
-                <a:t>WR_SYN</a:t>
-              </a:r>
-            </a:p>
-            <a:p>
-              <a:pPr>
-                <a:lnSpc>
-                  <a:spcPct val="140000"/>
-                </a:lnSpc>
-              </a:pPr>
-              <a:r>
-                <a:rPr lang="en-US" altLang="zh-CN" sz="1600" dirty="0">
-                  <a:solidFill>
-                    <a:schemeClr val="tx1"/>
-                  </a:solidFill>
-                </a:rPr>
-                <a:t>CLEAR</a:t>
-              </a:r>
-            </a:p>
-            <a:p>
-              <a:pPr>
-                <a:lnSpc>
-                  <a:spcPct val="140000"/>
-                </a:lnSpc>
-              </a:pPr>
-              <a:r>
-                <a:rPr lang="en-US" altLang="zh-CN" sz="1600" b="1" dirty="0" err="1">
-                  <a:solidFill>
-                    <a:schemeClr val="tx1"/>
-                  </a:solidFill>
-                </a:rPr>
-                <a:t>DT_IN</a:t>
-              </a:r>
-              <a:r>
-                <a:rPr lang="en-US" altLang="zh-CN" sz="1600" b="1" dirty="0">
-                  <a:solidFill>
-                    <a:schemeClr val="tx1"/>
-                  </a:solidFill>
-                </a:rPr>
-                <a:t>[383:0]</a:t>
-              </a:r>
-              <a:endParaRPr lang="zh-CN" altLang="en-US" sz="1600" b="1" dirty="0">
-                <a:solidFill>
-                  <a:schemeClr val="tx1"/>
-                </a:solidFill>
-              </a:endParaRPr>
-            </a:p>
-          </p:txBody>
-        </p:sp>
-      </p:grpSp>
-    </p:spTree>
-    <p:extLst>
-      <p:ext uri="{BB962C8B-B14F-4D97-AF65-F5344CB8AC3E}">
-        <p14:creationId xmlns:p14="http://schemas.microsoft.com/office/powerpoint/2010/main" val="1637149675"/>
-      </p:ext>
-    </p:extLst>
-  </p:cSld>
-  <p:clrMapOvr>
-    <a:masterClrMapping/>
-  </p:clrMapOvr>
-</p:sld>
-</file>
-
-<file path=ppt/slides/slide2.xml><?xml version="1.0" encoding="utf-8"?>
 <p:sld xmlns:a="http://schemas.openxmlformats.org/drawingml/2006/main" xmlns:r="http://schemas.openxmlformats.org/officeDocument/2006/relationships" xmlns:p="http://schemas.openxmlformats.org/presentationml/2006/main">
   <p:cSld>
     <p:spTree>
@@ -6102,7 +4879,7 @@
 </p:sld>
 </file>
 
-<file path=ppt/slides/slide3.xml><?xml version="1.0" encoding="utf-8"?>
+<file path=ppt/slides/slide2.xml><?xml version="1.0" encoding="utf-8"?>
 <p:sld xmlns:a="http://schemas.openxmlformats.org/drawingml/2006/main" xmlns:r="http://schemas.openxmlformats.org/officeDocument/2006/relationships" xmlns:p="http://schemas.openxmlformats.org/presentationml/2006/main">
   <p:cSld>
     <p:spTree>
